--- a/Docs ( WORD )/protótipo_de_modelo.pptx
+++ b/Docs ( WORD )/protótipo_de_modelo.pptx
@@ -104,6 +104,22 @@
       </a:defRPr>
     </a:lvl9pPr>
   </p:defaultTextStyle>
+  <p:extLst>
+    <p:ext uri="{EFAFB233-063F-42B5-8137-9DF3F51BA10A}">
+      <p15:sldGuideLst xmlns:p15="http://schemas.microsoft.com/office/powerpoint/2012/main">
+        <p15:guide id="1" orient="horz" pos="2160">
+          <p15:clr>
+            <a:srgbClr val="A4A3A4"/>
+          </p15:clr>
+        </p15:guide>
+        <p15:guide id="2" pos="2880">
+          <p15:clr>
+            <a:srgbClr val="A4A3A4"/>
+          </p15:clr>
+        </p15:guide>
+      </p15:sldGuideLst>
+    </p:ext>
+  </p:extLst>
 </p:presentation>
 </file>
 
@@ -288,7 +304,7 @@
           <a:p>
             <a:fld id="{256C1510-7A63-4E82-BA1F-0834EC0F5565}" type="datetimeFigureOut">
               <a:rPr lang="pt-BR" smtClean="0"/>
-              <a:t>21/09/2014</a:t>
+              <a:t>30/09/2014</a:t>
             </a:fld>
             <a:endParaRPr lang="pt-BR"/>
           </a:p>
@@ -330,7 +346,7 @@
           <a:p>
             <a:fld id="{55AAA83C-B5EE-49D1-8C6A-799301E8D9E8}" type="slidenum">
               <a:rPr lang="pt-BR" smtClean="0"/>
-              <a:t>‹nº›</a:t>
+              <a:t>‹#›</a:t>
             </a:fld>
             <a:endParaRPr lang="pt-BR"/>
           </a:p>
@@ -458,7 +474,7 @@
           <a:p>
             <a:fld id="{256C1510-7A63-4E82-BA1F-0834EC0F5565}" type="datetimeFigureOut">
               <a:rPr lang="pt-BR" smtClean="0"/>
-              <a:t>21/09/2014</a:t>
+              <a:t>30/09/2014</a:t>
             </a:fld>
             <a:endParaRPr lang="pt-BR"/>
           </a:p>
@@ -500,7 +516,7 @@
           <a:p>
             <a:fld id="{55AAA83C-B5EE-49D1-8C6A-799301E8D9E8}" type="slidenum">
               <a:rPr lang="pt-BR" smtClean="0"/>
-              <a:t>‹nº›</a:t>
+              <a:t>‹#›</a:t>
             </a:fld>
             <a:endParaRPr lang="pt-BR"/>
           </a:p>
@@ -638,7 +654,7 @@
           <a:p>
             <a:fld id="{256C1510-7A63-4E82-BA1F-0834EC0F5565}" type="datetimeFigureOut">
               <a:rPr lang="pt-BR" smtClean="0"/>
-              <a:t>21/09/2014</a:t>
+              <a:t>30/09/2014</a:t>
             </a:fld>
             <a:endParaRPr lang="pt-BR"/>
           </a:p>
@@ -680,7 +696,7 @@
           <a:p>
             <a:fld id="{55AAA83C-B5EE-49D1-8C6A-799301E8D9E8}" type="slidenum">
               <a:rPr lang="pt-BR" smtClean="0"/>
-              <a:t>‹nº›</a:t>
+              <a:t>‹#›</a:t>
             </a:fld>
             <a:endParaRPr lang="pt-BR"/>
           </a:p>
@@ -808,7 +824,7 @@
           <a:p>
             <a:fld id="{256C1510-7A63-4E82-BA1F-0834EC0F5565}" type="datetimeFigureOut">
               <a:rPr lang="pt-BR" smtClean="0"/>
-              <a:t>21/09/2014</a:t>
+              <a:t>30/09/2014</a:t>
             </a:fld>
             <a:endParaRPr lang="pt-BR"/>
           </a:p>
@@ -850,7 +866,7 @@
           <a:p>
             <a:fld id="{55AAA83C-B5EE-49D1-8C6A-799301E8D9E8}" type="slidenum">
               <a:rPr lang="pt-BR" smtClean="0"/>
-              <a:t>‹nº›</a:t>
+              <a:t>‹#›</a:t>
             </a:fld>
             <a:endParaRPr lang="pt-BR"/>
           </a:p>
@@ -1054,7 +1070,7 @@
           <a:p>
             <a:fld id="{256C1510-7A63-4E82-BA1F-0834EC0F5565}" type="datetimeFigureOut">
               <a:rPr lang="pt-BR" smtClean="0"/>
-              <a:t>21/09/2014</a:t>
+              <a:t>30/09/2014</a:t>
             </a:fld>
             <a:endParaRPr lang="pt-BR"/>
           </a:p>
@@ -1096,7 +1112,7 @@
           <a:p>
             <a:fld id="{55AAA83C-B5EE-49D1-8C6A-799301E8D9E8}" type="slidenum">
               <a:rPr lang="pt-BR" smtClean="0"/>
-              <a:t>‹nº›</a:t>
+              <a:t>‹#›</a:t>
             </a:fld>
             <a:endParaRPr lang="pt-BR"/>
           </a:p>
@@ -1342,7 +1358,7 @@
           <a:p>
             <a:fld id="{256C1510-7A63-4E82-BA1F-0834EC0F5565}" type="datetimeFigureOut">
               <a:rPr lang="pt-BR" smtClean="0"/>
-              <a:t>21/09/2014</a:t>
+              <a:t>30/09/2014</a:t>
             </a:fld>
             <a:endParaRPr lang="pt-BR"/>
           </a:p>
@@ -1384,7 +1400,7 @@
           <a:p>
             <a:fld id="{55AAA83C-B5EE-49D1-8C6A-799301E8D9E8}" type="slidenum">
               <a:rPr lang="pt-BR" smtClean="0"/>
-              <a:t>‹nº›</a:t>
+              <a:t>‹#›</a:t>
             </a:fld>
             <a:endParaRPr lang="pt-BR"/>
           </a:p>
@@ -1764,7 +1780,7 @@
           <a:p>
             <a:fld id="{256C1510-7A63-4E82-BA1F-0834EC0F5565}" type="datetimeFigureOut">
               <a:rPr lang="pt-BR" smtClean="0"/>
-              <a:t>21/09/2014</a:t>
+              <a:t>30/09/2014</a:t>
             </a:fld>
             <a:endParaRPr lang="pt-BR"/>
           </a:p>
@@ -1806,7 +1822,7 @@
           <a:p>
             <a:fld id="{55AAA83C-B5EE-49D1-8C6A-799301E8D9E8}" type="slidenum">
               <a:rPr lang="pt-BR" smtClean="0"/>
-              <a:t>‹nº›</a:t>
+              <a:t>‹#›</a:t>
             </a:fld>
             <a:endParaRPr lang="pt-BR"/>
           </a:p>
@@ -1882,7 +1898,7 @@
           <a:p>
             <a:fld id="{256C1510-7A63-4E82-BA1F-0834EC0F5565}" type="datetimeFigureOut">
               <a:rPr lang="pt-BR" smtClean="0"/>
-              <a:t>21/09/2014</a:t>
+              <a:t>30/09/2014</a:t>
             </a:fld>
             <a:endParaRPr lang="pt-BR"/>
           </a:p>
@@ -1924,7 +1940,7 @@
           <a:p>
             <a:fld id="{55AAA83C-B5EE-49D1-8C6A-799301E8D9E8}" type="slidenum">
               <a:rPr lang="pt-BR" smtClean="0"/>
-              <a:t>‹nº›</a:t>
+              <a:t>‹#›</a:t>
             </a:fld>
             <a:endParaRPr lang="pt-BR"/>
           </a:p>
@@ -1977,7 +1993,7 @@
           <a:p>
             <a:fld id="{256C1510-7A63-4E82-BA1F-0834EC0F5565}" type="datetimeFigureOut">
               <a:rPr lang="pt-BR" smtClean="0"/>
-              <a:t>21/09/2014</a:t>
+              <a:t>30/09/2014</a:t>
             </a:fld>
             <a:endParaRPr lang="pt-BR"/>
           </a:p>
@@ -2019,7 +2035,7 @@
           <a:p>
             <a:fld id="{55AAA83C-B5EE-49D1-8C6A-799301E8D9E8}" type="slidenum">
               <a:rPr lang="pt-BR" smtClean="0"/>
-              <a:t>‹nº›</a:t>
+              <a:t>‹#›</a:t>
             </a:fld>
             <a:endParaRPr lang="pt-BR"/>
           </a:p>
@@ -2254,7 +2270,7 @@
           <a:p>
             <a:fld id="{256C1510-7A63-4E82-BA1F-0834EC0F5565}" type="datetimeFigureOut">
               <a:rPr lang="pt-BR" smtClean="0"/>
-              <a:t>21/09/2014</a:t>
+              <a:t>30/09/2014</a:t>
             </a:fld>
             <a:endParaRPr lang="pt-BR"/>
           </a:p>
@@ -2296,7 +2312,7 @@
           <a:p>
             <a:fld id="{55AAA83C-B5EE-49D1-8C6A-799301E8D9E8}" type="slidenum">
               <a:rPr lang="pt-BR" smtClean="0"/>
-              <a:t>‹nº›</a:t>
+              <a:t>‹#›</a:t>
             </a:fld>
             <a:endParaRPr lang="pt-BR"/>
           </a:p>
@@ -2507,7 +2523,7 @@
           <a:p>
             <a:fld id="{256C1510-7A63-4E82-BA1F-0834EC0F5565}" type="datetimeFigureOut">
               <a:rPr lang="pt-BR" smtClean="0"/>
-              <a:t>21/09/2014</a:t>
+              <a:t>30/09/2014</a:t>
             </a:fld>
             <a:endParaRPr lang="pt-BR"/>
           </a:p>
@@ -2549,7 +2565,7 @@
           <a:p>
             <a:fld id="{55AAA83C-B5EE-49D1-8C6A-799301E8D9E8}" type="slidenum">
               <a:rPr lang="pt-BR" smtClean="0"/>
-              <a:t>‹nº›</a:t>
+              <a:t>‹#›</a:t>
             </a:fld>
             <a:endParaRPr lang="pt-BR"/>
           </a:p>
@@ -2720,7 +2736,7 @@
           <a:p>
             <a:fld id="{256C1510-7A63-4E82-BA1F-0834EC0F5565}" type="datetimeFigureOut">
               <a:rPr lang="pt-BR" smtClean="0"/>
-              <a:t>21/09/2014</a:t>
+              <a:t>30/09/2014</a:t>
             </a:fld>
             <a:endParaRPr lang="pt-BR"/>
           </a:p>
@@ -2798,7 +2814,7 @@
           <a:p>
             <a:fld id="{55AAA83C-B5EE-49D1-8C6A-799301E8D9E8}" type="slidenum">
               <a:rPr lang="pt-BR" smtClean="0"/>
-              <a:t>‹nº›</a:t>
+              <a:t>‹#›</a:t>
             </a:fld>
             <a:endParaRPr lang="pt-BR"/>
           </a:p>
@@ -3097,151 +3113,151 @@
       </p:grpSpPr>
       <p:grpSp>
         <p:nvGrpSpPr>
-          <p:cNvPr id="171" name="Grupo 170"/>
+          <p:cNvPr id="31" name="Group 30"/>
           <p:cNvGrpSpPr/>
           <p:nvPr/>
         </p:nvGrpSpPr>
         <p:grpSpPr>
           <a:xfrm>
-            <a:off x="898686" y="476672"/>
-            <a:ext cx="7475157" cy="5405129"/>
-            <a:chOff x="908828" y="332656"/>
-            <a:chExt cx="7475157" cy="5405129"/>
+            <a:off x="837523" y="204323"/>
+            <a:ext cx="5942752" cy="4232789"/>
+            <a:chOff x="837522" y="104974"/>
+            <a:chExt cx="7597733" cy="5776827"/>
           </a:xfrm>
         </p:grpSpPr>
         <p:grpSp>
           <p:nvGrpSpPr>
-            <p:cNvPr id="169" name="Grupo 168"/>
+            <p:cNvPr id="171" name="Grupo 170"/>
             <p:cNvGrpSpPr/>
             <p:nvPr/>
           </p:nvGrpSpPr>
           <p:grpSpPr>
             <a:xfrm>
-              <a:off x="908828" y="873567"/>
-              <a:ext cx="7475157" cy="4864218"/>
-              <a:chOff x="899592" y="869037"/>
-              <a:chExt cx="7475157" cy="4864218"/>
+              <a:off x="898686" y="104974"/>
+              <a:ext cx="7536569" cy="5776827"/>
+              <a:chOff x="908828" y="-39042"/>
+              <a:chExt cx="7536569" cy="5776827"/>
             </a:xfrm>
           </p:grpSpPr>
           <p:grpSp>
             <p:nvGrpSpPr>
-              <p:cNvPr id="147" name="Grupo 146"/>
+              <p:cNvPr id="169" name="Grupo 168"/>
               <p:cNvGrpSpPr/>
               <p:nvPr/>
             </p:nvGrpSpPr>
             <p:grpSpPr>
               <a:xfrm>
-                <a:off x="899592" y="869037"/>
-                <a:ext cx="7272808" cy="4864218"/>
-                <a:chOff x="1907704" y="1005034"/>
-                <a:chExt cx="4656890" cy="3657394"/>
+                <a:off x="908828" y="873567"/>
+                <a:ext cx="7536569" cy="4864218"/>
+                <a:chOff x="899592" y="869037"/>
+                <a:chExt cx="7536569" cy="4864218"/>
               </a:xfrm>
             </p:grpSpPr>
             <p:grpSp>
               <p:nvGrpSpPr>
-                <p:cNvPr id="128" name="Grupo 127"/>
+                <p:cNvPr id="147" name="Grupo 146"/>
                 <p:cNvGrpSpPr/>
                 <p:nvPr/>
               </p:nvGrpSpPr>
               <p:grpSpPr>
                 <a:xfrm>
-                  <a:off x="1907704" y="1412388"/>
-                  <a:ext cx="1008112" cy="936104"/>
-                  <a:chOff x="1907704" y="1412388"/>
-                  <a:chExt cx="1008112" cy="936104"/>
+                  <a:off x="899592" y="869037"/>
+                  <a:ext cx="7385267" cy="4864218"/>
+                  <a:chOff x="1907704" y="1005034"/>
+                  <a:chExt cx="4728899" cy="3657394"/>
                 </a:xfrm>
               </p:grpSpPr>
-              <p:sp>
-                <p:nvSpPr>
-                  <p:cNvPr id="4" name="Retângulo 3"/>
-                  <p:cNvSpPr/>
+              <p:grpSp>
+                <p:nvGrpSpPr>
+                  <p:cNvPr id="128" name="Grupo 127"/>
+                  <p:cNvGrpSpPr/>
                   <p:nvPr/>
-                </p:nvSpPr>
-                <p:spPr>
+                </p:nvGrpSpPr>
+                <p:grpSpPr>
                   <a:xfrm>
                     <a:off x="1907704" y="1412388"/>
                     <a:ext cx="1008112" cy="936104"/>
+                    <a:chOff x="1907704" y="1412388"/>
+                    <a:chExt cx="1008112" cy="936104"/>
                   </a:xfrm>
-                  <a:prstGeom prst="rect">
-                    <a:avLst/>
-                  </a:prstGeom>
-                </p:spPr>
-                <p:style>
-                  <a:lnRef idx="2">
-                    <a:schemeClr val="dk1"/>
-                  </a:lnRef>
-                  <a:fillRef idx="1">
-                    <a:schemeClr val="lt1"/>
-                  </a:fillRef>
-                  <a:effectRef idx="0">
-                    <a:schemeClr val="dk1"/>
-                  </a:effectRef>
-                  <a:fontRef idx="minor">
-                    <a:schemeClr val="dk1"/>
-                  </a:fontRef>
-                </p:style>
-                <p:txBody>
-                  <a:bodyPr rtlCol="0" anchor="ctr"/>
-                  <a:lstStyle/>
-                  <a:p>
-                    <a:pPr algn="ctr"/>
-                    <a:endParaRPr lang="pt-BR"/>
-                  </a:p>
-                </p:txBody>
-              </p:sp>
-              <p:cxnSp>
-                <p:nvCxnSpPr>
-                  <p:cNvPr id="6" name="Conector reto 5"/>
-                  <p:cNvCxnSpPr>
-                    <a:stCxn id="4" idx="1"/>
-                    <a:endCxn id="4" idx="3"/>
-                  </p:cNvCxnSpPr>
-                  <p:nvPr/>
-                </p:nvCxnSpPr>
-                <p:spPr>
-                  <a:xfrm>
-                    <a:off x="1907704" y="1880440"/>
-                    <a:ext cx="1008112" cy="0"/>
-                  </a:xfrm>
-                  <a:prstGeom prst="line">
-                    <a:avLst/>
-                  </a:prstGeom>
-                  <a:ln w="28575">
-                    <a:solidFill>
+                </p:grpSpPr>
+                <p:sp>
+                  <p:nvSpPr>
+                    <p:cNvPr id="4" name="Retângulo 3"/>
+                    <p:cNvSpPr/>
+                    <p:nvPr/>
+                  </p:nvSpPr>
+                  <p:spPr>
+                    <a:xfrm>
+                      <a:off x="1907704" y="1412388"/>
+                      <a:ext cx="1008112" cy="936104"/>
+                    </a:xfrm>
+                    <a:prstGeom prst="rect">
+                      <a:avLst/>
+                    </a:prstGeom>
+                  </p:spPr>
+                  <p:style>
+                    <a:lnRef idx="2">
+                      <a:schemeClr val="dk1"/>
+                    </a:lnRef>
+                    <a:fillRef idx="1">
+                      <a:schemeClr val="lt1"/>
+                    </a:fillRef>
+                    <a:effectRef idx="0">
+                      <a:schemeClr val="dk1"/>
+                    </a:effectRef>
+                    <a:fontRef idx="minor">
+                      <a:schemeClr val="dk1"/>
+                    </a:fontRef>
+                  </p:style>
+                  <p:txBody>
+                    <a:bodyPr rtlCol="0" anchor="ctr"/>
+                    <a:lstStyle/>
+                    <a:p>
+                      <a:pPr algn="ctr"/>
+                      <a:endParaRPr lang="pt-BR"/>
+                    </a:p>
+                  </p:txBody>
+                </p:sp>
+                <p:cxnSp>
+                  <p:nvCxnSpPr>
+                    <p:cNvPr id="6" name="Conector reto 5"/>
+                    <p:cNvCxnSpPr>
+                      <a:stCxn id="4" idx="1"/>
+                      <a:endCxn id="4" idx="3"/>
+                    </p:cNvCxnSpPr>
+                    <p:nvPr/>
+                  </p:nvCxnSpPr>
+                  <p:spPr>
+                    <a:xfrm>
+                      <a:off x="1907704" y="1880440"/>
+                      <a:ext cx="1008112" cy="0"/>
+                    </a:xfrm>
+                    <a:prstGeom prst="line">
+                      <a:avLst/>
+                    </a:prstGeom>
+                    <a:ln w="28575">
+                      <a:solidFill>
+                        <a:schemeClr val="tx1"/>
+                      </a:solidFill>
+                    </a:ln>
+                  </p:spPr>
+                  <p:style>
+                    <a:lnRef idx="1">
+                      <a:schemeClr val="accent1"/>
+                    </a:lnRef>
+                    <a:fillRef idx="0">
+                      <a:schemeClr val="accent1"/>
+                    </a:fillRef>
+                    <a:effectRef idx="0">
+                      <a:schemeClr val="accent1"/>
+                    </a:effectRef>
+                    <a:fontRef idx="minor">
                       <a:schemeClr val="tx1"/>
-                    </a:solidFill>
-                  </a:ln>
-                </p:spPr>
-                <p:style>
-                  <a:lnRef idx="1">
-                    <a:schemeClr val="accent1"/>
-                  </a:lnRef>
-                  <a:fillRef idx="0">
-                    <a:schemeClr val="accent1"/>
-                  </a:fillRef>
-                  <a:effectRef idx="0">
-                    <a:schemeClr val="accent1"/>
-                  </a:effectRef>
-                  <a:fontRef idx="minor">
-                    <a:schemeClr val="tx1"/>
-                  </a:fontRef>
-                </p:style>
-              </p:cxnSp>
-            </p:grpSp>
-            <p:grpSp>
-              <p:nvGrpSpPr>
-                <p:cNvPr id="127" name="Grupo 126"/>
-                <p:cNvGrpSpPr/>
-                <p:nvPr/>
-              </p:nvGrpSpPr>
-              <p:grpSpPr>
-                <a:xfrm>
-                  <a:off x="3707904" y="1412388"/>
-                  <a:ext cx="936103" cy="936104"/>
-                  <a:chOff x="3707904" y="1412388"/>
-                  <a:chExt cx="936103" cy="936104"/>
-                </a:xfrm>
-              </p:grpSpPr>
+                    </a:fontRef>
+                  </p:style>
+                </p:cxnSp>
+              </p:grpSp>
               <p:sp>
                 <p:nvSpPr>
                   <p:cNvPr id="9" name="Retângulo 8"/>
@@ -3282,211 +3298,14 @@
               </p:sp>
               <p:cxnSp>
                 <p:nvCxnSpPr>
-                  <p:cNvPr id="10" name="Conector reto 9"/>
-                  <p:cNvCxnSpPr>
-                    <a:stCxn id="9" idx="0"/>
-                    <a:endCxn id="9" idx="2"/>
-                  </p:cNvCxnSpPr>
-                  <p:nvPr/>
-                </p:nvCxnSpPr>
-                <p:spPr>
-                  <a:xfrm flipV="1">
-                    <a:off x="4175955" y="1412388"/>
-                    <a:ext cx="0" cy="936104"/>
-                  </a:xfrm>
-                  <a:prstGeom prst="line">
-                    <a:avLst/>
-                  </a:prstGeom>
-                  <a:ln w="28575">
-                    <a:solidFill>
-                      <a:schemeClr val="tx1"/>
-                    </a:solidFill>
-                  </a:ln>
-                </p:spPr>
-                <p:style>
-                  <a:lnRef idx="1">
-                    <a:schemeClr val="accent1"/>
-                  </a:lnRef>
-                  <a:fillRef idx="0">
-                    <a:schemeClr val="accent1"/>
-                  </a:fillRef>
-                  <a:effectRef idx="0">
-                    <a:schemeClr val="accent1"/>
-                  </a:effectRef>
-                  <a:fontRef idx="minor">
-                    <a:schemeClr val="tx1"/>
-                  </a:fontRef>
-                </p:style>
-              </p:cxnSp>
-              <p:cxnSp>
-                <p:nvCxnSpPr>
-                  <p:cNvPr id="20" name="Conector reto 19"/>
-                  <p:cNvCxnSpPr>
-                    <a:stCxn id="9" idx="1"/>
-                  </p:cNvCxnSpPr>
-                  <p:nvPr/>
-                </p:nvCxnSpPr>
-                <p:spPr>
-                  <a:xfrm flipH="1">
-                    <a:off x="4175955" y="1880440"/>
-                    <a:ext cx="468052" cy="0"/>
-                  </a:xfrm>
-                  <a:prstGeom prst="line">
-                    <a:avLst/>
-                  </a:prstGeom>
-                  <a:ln w="28575">
-                    <a:solidFill>
-                      <a:schemeClr val="tx1"/>
-                    </a:solidFill>
-                  </a:ln>
-                </p:spPr>
-                <p:style>
-                  <a:lnRef idx="1">
-                    <a:schemeClr val="accent1"/>
-                  </a:lnRef>
-                  <a:fillRef idx="0">
-                    <a:schemeClr val="accent1"/>
-                  </a:fillRef>
-                  <a:effectRef idx="0">
-                    <a:schemeClr val="accent1"/>
-                  </a:effectRef>
-                  <a:fontRef idx="minor">
-                    <a:schemeClr val="tx1"/>
-                  </a:fontRef>
-                </p:style>
-              </p:cxnSp>
-            </p:grpSp>
-            <p:cxnSp>
-              <p:nvCxnSpPr>
-                <p:cNvPr id="55" name="Conector de seta reta 54"/>
-                <p:cNvCxnSpPr/>
-                <p:nvPr/>
-              </p:nvCxnSpPr>
-              <p:spPr>
-                <a:xfrm>
-                  <a:off x="2915816" y="1628800"/>
-                  <a:ext cx="792088" cy="0"/>
-                </a:xfrm>
-                <a:prstGeom prst="straightConnector1">
-                  <a:avLst/>
-                </a:prstGeom>
-                <a:ln w="28575">
-                  <a:solidFill>
-                    <a:schemeClr val="tx1"/>
-                  </a:solidFill>
-                  <a:tailEnd type="arrow"/>
-                </a:ln>
-              </p:spPr>
-              <p:style>
-                <a:lnRef idx="1">
-                  <a:schemeClr val="accent1"/>
-                </a:lnRef>
-                <a:fillRef idx="0">
-                  <a:schemeClr val="accent1"/>
-                </a:fillRef>
-                <a:effectRef idx="0">
-                  <a:schemeClr val="accent1"/>
-                </a:effectRef>
-                <a:fontRef idx="minor">
-                  <a:schemeClr val="tx1"/>
-                </a:fontRef>
-              </p:style>
-            </p:cxnSp>
-            <p:cxnSp>
-              <p:nvCxnSpPr>
-                <p:cNvPr id="56" name="Conector de seta reta 55"/>
-                <p:cNvCxnSpPr/>
-                <p:nvPr/>
-              </p:nvCxnSpPr>
-              <p:spPr>
-                <a:xfrm>
-                  <a:off x="2915816" y="2060848"/>
-                  <a:ext cx="792088" cy="0"/>
-                </a:xfrm>
-                <a:prstGeom prst="straightConnector1">
-                  <a:avLst/>
-                </a:prstGeom>
-                <a:ln w="28575">
-                  <a:solidFill>
-                    <a:schemeClr val="tx1"/>
-                  </a:solidFill>
-                  <a:tailEnd type="arrow"/>
-                </a:ln>
-              </p:spPr>
-              <p:style>
-                <a:lnRef idx="1">
-                  <a:schemeClr val="accent1"/>
-                </a:lnRef>
-                <a:fillRef idx="0">
-                  <a:schemeClr val="accent1"/>
-                </a:fillRef>
-                <a:effectRef idx="0">
-                  <a:schemeClr val="accent1"/>
-                </a:effectRef>
-                <a:fontRef idx="minor">
-                  <a:schemeClr val="tx1"/>
-                </a:fontRef>
-              </p:style>
-            </p:cxnSp>
-            <p:grpSp>
-              <p:nvGrpSpPr>
-                <p:cNvPr id="70" name="Grupo 69"/>
-                <p:cNvGrpSpPr/>
-                <p:nvPr/>
-              </p:nvGrpSpPr>
-              <p:grpSpPr>
-                <a:xfrm>
-                  <a:off x="3923928" y="2348493"/>
-                  <a:ext cx="1704564" cy="1152515"/>
-                  <a:chOff x="3923928" y="2366043"/>
-                  <a:chExt cx="1676601" cy="1314985"/>
-                </a:xfrm>
-              </p:grpSpPr>
-              <p:cxnSp>
-                <p:nvCxnSpPr>
-                  <p:cNvPr id="67" name="Conector reto 66"/>
+                  <p:cNvPr id="55" name="Conector de seta reta 54"/>
                   <p:cNvCxnSpPr/>
                   <p:nvPr/>
                 </p:nvCxnSpPr>
                 <p:spPr>
-                  <a:xfrm flipH="1">
-                    <a:off x="3923928" y="3681028"/>
-                    <a:ext cx="1676601" cy="0"/>
-                  </a:xfrm>
-                  <a:prstGeom prst="line">
-                    <a:avLst/>
-                  </a:prstGeom>
-                  <a:ln w="28575">
-                    <a:solidFill>
-                      <a:schemeClr val="tx1"/>
-                    </a:solidFill>
-                  </a:ln>
-                </p:spPr>
-                <p:style>
-                  <a:lnRef idx="1">
-                    <a:schemeClr val="accent1"/>
-                  </a:lnRef>
-                  <a:fillRef idx="0">
-                    <a:schemeClr val="accent1"/>
-                  </a:fillRef>
-                  <a:effectRef idx="0">
-                    <a:schemeClr val="accent1"/>
-                  </a:effectRef>
-                  <a:fontRef idx="minor">
-                    <a:schemeClr val="tx1"/>
-                  </a:fontRef>
-                </p:style>
-              </p:cxnSp>
-              <p:cxnSp>
-                <p:nvCxnSpPr>
-                  <p:cNvPr id="69" name="Conector de seta reta 68"/>
-                  <p:cNvCxnSpPr/>
-                  <p:nvPr/>
-                </p:nvCxnSpPr>
-                <p:spPr>
-                  <a:xfrm flipV="1">
-                    <a:off x="3923928" y="2366043"/>
-                    <a:ext cx="0" cy="1314985"/>
+                  <a:xfrm>
+                    <a:off x="2915816" y="1628800"/>
+                    <a:ext cx="792088" cy="0"/>
                   </a:xfrm>
                   <a:prstGeom prst="straightConnector1">
                     <a:avLst/>
@@ -3513,30 +3332,265 @@
                   </a:fontRef>
                 </p:style>
               </p:cxnSp>
-            </p:grpSp>
-            <p:grpSp>
-              <p:nvGrpSpPr>
-                <p:cNvPr id="126" name="Grupo 125"/>
-                <p:cNvGrpSpPr/>
-                <p:nvPr/>
-              </p:nvGrpSpPr>
-              <p:grpSpPr>
-                <a:xfrm>
-                  <a:off x="5628491" y="3273798"/>
-                  <a:ext cx="936103" cy="936104"/>
-                  <a:chOff x="5632605" y="3230171"/>
-                  <a:chExt cx="936103" cy="936104"/>
-                </a:xfrm>
-              </p:grpSpPr>
+              <p:cxnSp>
+                <p:nvCxnSpPr>
+                  <p:cNvPr id="56" name="Conector de seta reta 55"/>
+                  <p:cNvCxnSpPr/>
+                  <p:nvPr/>
+                </p:nvCxnSpPr>
+                <p:spPr>
+                  <a:xfrm>
+                    <a:off x="2915816" y="2060848"/>
+                    <a:ext cx="792088" cy="0"/>
+                  </a:xfrm>
+                  <a:prstGeom prst="straightConnector1">
+                    <a:avLst/>
+                  </a:prstGeom>
+                  <a:ln w="28575">
+                    <a:solidFill>
+                      <a:schemeClr val="tx1"/>
+                    </a:solidFill>
+                    <a:tailEnd type="arrow"/>
+                  </a:ln>
+                </p:spPr>
+                <p:style>
+                  <a:lnRef idx="1">
+                    <a:schemeClr val="accent1"/>
+                  </a:lnRef>
+                  <a:fillRef idx="0">
+                    <a:schemeClr val="accent1"/>
+                  </a:fillRef>
+                  <a:effectRef idx="0">
+                    <a:schemeClr val="accent1"/>
+                  </a:effectRef>
+                  <a:fontRef idx="minor">
+                    <a:schemeClr val="tx1"/>
+                  </a:fontRef>
+                </p:style>
+              </p:cxnSp>
+              <p:grpSp>
+                <p:nvGrpSpPr>
+                  <p:cNvPr id="70" name="Grupo 69"/>
+                  <p:cNvGrpSpPr/>
+                  <p:nvPr/>
+                </p:nvGrpSpPr>
+                <p:grpSpPr>
+                  <a:xfrm>
+                    <a:off x="3923928" y="2348493"/>
+                    <a:ext cx="1704564" cy="1152515"/>
+                    <a:chOff x="3923928" y="2366043"/>
+                    <a:chExt cx="1676601" cy="1314985"/>
+                  </a:xfrm>
+                </p:grpSpPr>
+                <p:cxnSp>
+                  <p:nvCxnSpPr>
+                    <p:cNvPr id="67" name="Conector reto 66"/>
+                    <p:cNvCxnSpPr/>
+                    <p:nvPr/>
+                  </p:nvCxnSpPr>
+                  <p:spPr>
+                    <a:xfrm flipH="1">
+                      <a:off x="3923928" y="3681028"/>
+                      <a:ext cx="1676601" cy="0"/>
+                    </a:xfrm>
+                    <a:prstGeom prst="line">
+                      <a:avLst/>
+                    </a:prstGeom>
+                    <a:ln w="28575">
+                      <a:solidFill>
+                        <a:schemeClr val="tx1"/>
+                      </a:solidFill>
+                    </a:ln>
+                  </p:spPr>
+                  <p:style>
+                    <a:lnRef idx="1">
+                      <a:schemeClr val="accent1"/>
+                    </a:lnRef>
+                    <a:fillRef idx="0">
+                      <a:schemeClr val="accent1"/>
+                    </a:fillRef>
+                    <a:effectRef idx="0">
+                      <a:schemeClr val="accent1"/>
+                    </a:effectRef>
+                    <a:fontRef idx="minor">
+                      <a:schemeClr val="tx1"/>
+                    </a:fontRef>
+                  </p:style>
+                </p:cxnSp>
+                <p:cxnSp>
+                  <p:nvCxnSpPr>
+                    <p:cNvPr id="69" name="Conector de seta reta 68"/>
+                    <p:cNvCxnSpPr/>
+                    <p:nvPr/>
+                  </p:nvCxnSpPr>
+                  <p:spPr>
+                    <a:xfrm flipV="1">
+                      <a:off x="3923928" y="2366043"/>
+                      <a:ext cx="0" cy="1314985"/>
+                    </a:xfrm>
+                    <a:prstGeom prst="straightConnector1">
+                      <a:avLst/>
+                    </a:prstGeom>
+                    <a:ln w="28575">
+                      <a:solidFill>
+                        <a:schemeClr val="tx1"/>
+                      </a:solidFill>
+                      <a:tailEnd type="arrow"/>
+                    </a:ln>
+                  </p:spPr>
+                  <p:style>
+                    <a:lnRef idx="1">
+                      <a:schemeClr val="accent1"/>
+                    </a:lnRef>
+                    <a:fillRef idx="0">
+                      <a:schemeClr val="accent1"/>
+                    </a:fillRef>
+                    <a:effectRef idx="0">
+                      <a:schemeClr val="accent1"/>
+                    </a:effectRef>
+                    <a:fontRef idx="minor">
+                      <a:schemeClr val="tx1"/>
+                    </a:fontRef>
+                  </p:style>
+                </p:cxnSp>
+              </p:grpSp>
+              <p:grpSp>
+                <p:nvGrpSpPr>
+                  <p:cNvPr id="126" name="Grupo 125"/>
+                  <p:cNvGrpSpPr/>
+                  <p:nvPr/>
+                </p:nvGrpSpPr>
+                <p:grpSpPr>
+                  <a:xfrm>
+                    <a:off x="5628491" y="3273798"/>
+                    <a:ext cx="936103" cy="936104"/>
+                    <a:chOff x="5632605" y="3230171"/>
+                    <a:chExt cx="936103" cy="936104"/>
+                  </a:xfrm>
+                </p:grpSpPr>
+                <p:sp>
+                  <p:nvSpPr>
+                    <p:cNvPr id="73" name="Retângulo 72"/>
+                    <p:cNvSpPr/>
+                    <p:nvPr/>
+                  </p:nvSpPr>
+                  <p:spPr>
+                    <a:xfrm>
+                      <a:off x="5632605" y="3230171"/>
+                      <a:ext cx="936103" cy="936104"/>
+                    </a:xfrm>
+                    <a:prstGeom prst="rect">
+                      <a:avLst/>
+                    </a:prstGeom>
+                  </p:spPr>
+                  <p:style>
+                    <a:lnRef idx="2">
+                      <a:schemeClr val="dk1"/>
+                    </a:lnRef>
+                    <a:fillRef idx="1">
+                      <a:schemeClr val="lt1"/>
+                    </a:fillRef>
+                    <a:effectRef idx="0">
+                      <a:schemeClr val="dk1"/>
+                    </a:effectRef>
+                    <a:fontRef idx="minor">
+                      <a:schemeClr val="dk1"/>
+                    </a:fontRef>
+                  </p:style>
+                  <p:txBody>
+                    <a:bodyPr rtlCol="0" anchor="ctr"/>
+                    <a:lstStyle/>
+                    <a:p>
+                      <a:pPr algn="ctr"/>
+                      <a:endParaRPr lang="pt-BR"/>
+                    </a:p>
+                  </p:txBody>
+                </p:sp>
+                <p:cxnSp>
+                  <p:nvCxnSpPr>
+                    <p:cNvPr id="74" name="Conector reto 73"/>
+                    <p:cNvCxnSpPr>
+                      <a:stCxn id="73" idx="0"/>
+                      <a:endCxn id="73" idx="2"/>
+                    </p:cNvCxnSpPr>
+                    <p:nvPr/>
+                  </p:nvCxnSpPr>
+                  <p:spPr>
+                    <a:xfrm>
+                      <a:off x="6100657" y="3230171"/>
+                      <a:ext cx="0" cy="936104"/>
+                    </a:xfrm>
+                    <a:prstGeom prst="line">
+                      <a:avLst/>
+                    </a:prstGeom>
+                    <a:ln w="28575">
+                      <a:solidFill>
+                        <a:schemeClr val="tx1"/>
+                      </a:solidFill>
+                    </a:ln>
+                  </p:spPr>
+                  <p:style>
+                    <a:lnRef idx="1">
+                      <a:schemeClr val="accent1"/>
+                    </a:lnRef>
+                    <a:fillRef idx="0">
+                      <a:schemeClr val="accent1"/>
+                    </a:fillRef>
+                    <a:effectRef idx="0">
+                      <a:schemeClr val="accent1"/>
+                    </a:effectRef>
+                    <a:fontRef idx="minor">
+                      <a:schemeClr val="tx1"/>
+                    </a:fontRef>
+                  </p:style>
+                </p:cxnSp>
+                <p:cxnSp>
+                  <p:nvCxnSpPr>
+                    <p:cNvPr id="75" name="Conector reto 74"/>
+                    <p:cNvCxnSpPr>
+                      <a:stCxn id="73" idx="1"/>
+                    </p:cNvCxnSpPr>
+                    <p:nvPr/>
+                  </p:nvCxnSpPr>
+                  <p:spPr>
+                    <a:xfrm>
+                      <a:off x="5632606" y="3698223"/>
+                      <a:ext cx="468051" cy="0"/>
+                    </a:xfrm>
+                    <a:prstGeom prst="line">
+                      <a:avLst/>
+                    </a:prstGeom>
+                    <a:ln w="28575">
+                      <a:solidFill>
+                        <a:schemeClr val="tx1"/>
+                      </a:solidFill>
+                    </a:ln>
+                  </p:spPr>
+                  <p:style>
+                    <a:lnRef idx="1">
+                      <a:schemeClr val="accent1"/>
+                    </a:lnRef>
+                    <a:fillRef idx="0">
+                      <a:schemeClr val="accent1"/>
+                    </a:fillRef>
+                    <a:effectRef idx="0">
+                      <a:schemeClr val="accent1"/>
+                    </a:effectRef>
+                    <a:fontRef idx="minor">
+                      <a:schemeClr val="tx1"/>
+                    </a:fontRef>
+                  </p:style>
+                </p:cxnSp>
+              </p:grpSp>
               <p:sp>
                 <p:nvSpPr>
-                  <p:cNvPr id="73" name="Retângulo 72"/>
+                  <p:cNvPr id="85" name="Retângulo 84"/>
                   <p:cNvSpPr/>
                   <p:nvPr/>
                 </p:nvSpPr>
                 <p:spPr>
-                  <a:xfrm>
-                    <a:off x="5632605" y="3230171"/>
+                  <a:xfrm rot="10800000">
+                    <a:off x="5628491" y="1411612"/>
                     <a:ext cx="936103" cy="936104"/>
                   </a:xfrm>
                   <a:prstGeom prst="rect">
@@ -3568,17 +3622,14 @@
               </p:sp>
               <p:cxnSp>
                 <p:nvCxnSpPr>
-                  <p:cNvPr id="74" name="Conector reto 73"/>
-                  <p:cNvCxnSpPr>
-                    <a:stCxn id="73" idx="0"/>
-                    <a:endCxn id="73" idx="2"/>
-                  </p:cNvCxnSpPr>
+                  <p:cNvPr id="86" name="Conector reto 85"/>
+                  <p:cNvCxnSpPr/>
                   <p:nvPr/>
                 </p:nvCxnSpPr>
                 <p:spPr>
-                  <a:xfrm>
-                    <a:off x="6100657" y="3230171"/>
-                    <a:ext cx="0" cy="936104"/>
+                  <a:xfrm flipV="1">
+                    <a:off x="5919084" y="1419214"/>
+                    <a:ext cx="0" cy="918408"/>
                   </a:xfrm>
                   <a:prstGeom prst="line">
                     <a:avLst/>
@@ -3606,16 +3657,14 @@
               </p:cxnSp>
               <p:cxnSp>
                 <p:nvCxnSpPr>
-                  <p:cNvPr id="75" name="Conector reto 74"/>
-                  <p:cNvCxnSpPr>
-                    <a:stCxn id="73" idx="1"/>
-                  </p:cNvCxnSpPr>
+                  <p:cNvPr id="88" name="Conector reto 87"/>
+                  <p:cNvCxnSpPr/>
                   <p:nvPr/>
                 </p:nvCxnSpPr>
                 <p:spPr>
-                  <a:xfrm>
-                    <a:off x="5632606" y="3698223"/>
-                    <a:ext cx="468051" cy="0"/>
+                  <a:xfrm flipH="1" flipV="1">
+                    <a:off x="6295469" y="1419214"/>
+                    <a:ext cx="1" cy="918408"/>
                   </a:xfrm>
                   <a:prstGeom prst="line">
                     <a:avLst/>
@@ -3641,237 +3690,502 @@
                   </a:fontRef>
                 </p:style>
               </p:cxnSp>
+              <p:cxnSp>
+                <p:nvCxnSpPr>
+                  <p:cNvPr id="107" name="Conector em curva 106"/>
+                  <p:cNvCxnSpPr/>
+                  <p:nvPr/>
+                </p:nvCxnSpPr>
+                <p:spPr>
+                  <a:xfrm rot="5400000" flipH="1" flipV="1">
+                    <a:off x="5445101" y="1707828"/>
+                    <a:ext cx="936882" cy="359653"/>
+                  </a:xfrm>
+                  <a:prstGeom prst="curvedConnector5">
+                    <a:avLst>
+                      <a:gd name="adj1" fmla="val -30520"/>
+                      <a:gd name="adj2" fmla="val -101904"/>
+                      <a:gd name="adj3" fmla="val 143746"/>
+                    </a:avLst>
+                  </a:prstGeom>
+                  <a:ln w="28575">
+                    <a:solidFill>
+                      <a:schemeClr val="tx1"/>
+                    </a:solidFill>
+                    <a:tailEnd type="arrow"/>
+                  </a:ln>
+                </p:spPr>
+                <p:style>
+                  <a:lnRef idx="1">
+                    <a:schemeClr val="accent1"/>
+                  </a:lnRef>
+                  <a:fillRef idx="0">
+                    <a:schemeClr val="accent1"/>
+                  </a:fillRef>
+                  <a:effectRef idx="0">
+                    <a:schemeClr val="accent1"/>
+                  </a:effectRef>
+                  <a:fontRef idx="minor">
+                    <a:schemeClr val="tx1"/>
+                  </a:fontRef>
+                </p:style>
+              </p:cxnSp>
+              <p:cxnSp>
+                <p:nvCxnSpPr>
+                  <p:cNvPr id="123" name="Conector de seta reta 122"/>
+                  <p:cNvCxnSpPr/>
+                  <p:nvPr/>
+                </p:nvCxnSpPr>
+                <p:spPr>
+                  <a:xfrm>
+                    <a:off x="4644007" y="1628800"/>
+                    <a:ext cx="972109" cy="0"/>
+                  </a:xfrm>
+                  <a:prstGeom prst="straightConnector1">
+                    <a:avLst/>
+                  </a:prstGeom>
+                  <a:ln w="28575">
+                    <a:solidFill>
+                      <a:schemeClr val="tx1"/>
+                    </a:solidFill>
+                    <a:tailEnd type="arrow"/>
+                  </a:ln>
+                </p:spPr>
+                <p:style>
+                  <a:lnRef idx="1">
+                    <a:schemeClr val="accent1"/>
+                  </a:lnRef>
+                  <a:fillRef idx="0">
+                    <a:schemeClr val="accent1"/>
+                  </a:fillRef>
+                  <a:effectRef idx="0">
+                    <a:schemeClr val="accent1"/>
+                  </a:effectRef>
+                  <a:fontRef idx="minor">
+                    <a:schemeClr val="tx1"/>
+                  </a:fontRef>
+                </p:style>
+              </p:cxnSp>
+              <p:cxnSp>
+                <p:nvCxnSpPr>
+                  <p:cNvPr id="125" name="Conector de seta reta 124"/>
+                  <p:cNvCxnSpPr/>
+                  <p:nvPr/>
+                </p:nvCxnSpPr>
+                <p:spPr>
+                  <a:xfrm>
+                    <a:off x="4643623" y="2068666"/>
+                    <a:ext cx="972109" cy="0"/>
+                  </a:xfrm>
+                  <a:prstGeom prst="straightConnector1">
+                    <a:avLst/>
+                  </a:prstGeom>
+                  <a:ln w="28575">
+                    <a:solidFill>
+                      <a:schemeClr val="tx1"/>
+                    </a:solidFill>
+                    <a:tailEnd type="arrow"/>
+                  </a:ln>
+                </p:spPr>
+                <p:style>
+                  <a:lnRef idx="1">
+                    <a:schemeClr val="accent1"/>
+                  </a:lnRef>
+                  <a:fillRef idx="0">
+                    <a:schemeClr val="accent1"/>
+                  </a:fillRef>
+                  <a:effectRef idx="0">
+                    <a:schemeClr val="accent1"/>
+                  </a:effectRef>
+                  <a:fontRef idx="minor">
+                    <a:schemeClr val="tx1"/>
+                  </a:fontRef>
+                </p:style>
+              </p:cxnSp>
+              <p:sp>
+                <p:nvSpPr>
+                  <p:cNvPr id="132" name="CaixaDeTexto 131"/>
+                  <p:cNvSpPr txBox="1"/>
+                  <p:nvPr/>
+                </p:nvSpPr>
+                <p:spPr>
+                  <a:xfrm>
+                    <a:off x="1907704" y="2420888"/>
+                    <a:ext cx="1008112" cy="369332"/>
+                  </a:xfrm>
+                  <a:prstGeom prst="rect">
+                    <a:avLst/>
+                  </a:prstGeom>
+                  <a:noFill/>
+                </p:spPr>
+                <p:txBody>
+                  <a:bodyPr wrap="square" rtlCol="0">
+                    <a:spAutoFit/>
+                  </a:bodyPr>
+                  <a:lstStyle/>
+                  <a:p>
+                    <a:pPr algn="ctr"/>
+                    <a:r>
+                      <a:rPr lang="pt-BR" dirty="0" smtClean="0">
+                        <a:solidFill>
+                          <a:schemeClr val="accent1"/>
+                        </a:solidFill>
+                      </a:rPr>
+                      <a:t>Grafo</a:t>
+                    </a:r>
+                    <a:endParaRPr lang="pt-BR" dirty="0">
+                      <a:solidFill>
+                        <a:schemeClr val="accent1"/>
+                      </a:solidFill>
+                    </a:endParaRPr>
+                  </a:p>
+                </p:txBody>
+              </p:sp>
+              <p:sp>
+                <p:nvSpPr>
+                  <p:cNvPr id="133" name="CaixaDeTexto 132"/>
+                  <p:cNvSpPr txBox="1"/>
+                  <p:nvPr/>
+                </p:nvSpPr>
+                <p:spPr>
+                  <a:xfrm>
+                    <a:off x="5628491" y="4293096"/>
+                    <a:ext cx="936103" cy="369332"/>
+                  </a:xfrm>
+                  <a:prstGeom prst="rect">
+                    <a:avLst/>
+                  </a:prstGeom>
+                  <a:noFill/>
+                </p:spPr>
+                <p:txBody>
+                  <a:bodyPr wrap="square" rtlCol="0">
+                    <a:spAutoFit/>
+                  </a:bodyPr>
+                  <a:lstStyle/>
+                  <a:p>
+                    <a:pPr algn="ctr"/>
+                    <a:r>
+                      <a:rPr lang="pt-BR" dirty="0" smtClean="0">
+                        <a:solidFill>
+                          <a:schemeClr val="accent1"/>
+                        </a:solidFill>
+                      </a:rPr>
+                      <a:t>Vértice</a:t>
+                    </a:r>
+                    <a:endParaRPr lang="pt-BR" dirty="0">
+                      <a:solidFill>
+                        <a:schemeClr val="accent1"/>
+                      </a:solidFill>
+                    </a:endParaRPr>
+                  </a:p>
+                </p:txBody>
+              </p:sp>
+              <p:sp>
+                <p:nvSpPr>
+                  <p:cNvPr id="134" name="CaixaDeTexto 133"/>
+                  <p:cNvSpPr txBox="1"/>
+                  <p:nvPr/>
+                </p:nvSpPr>
+                <p:spPr>
+                  <a:xfrm>
+                    <a:off x="2225689" y="1508381"/>
+                    <a:ext cx="864096" cy="315833"/>
+                  </a:xfrm>
+                  <a:prstGeom prst="rect">
+                    <a:avLst/>
+                  </a:prstGeom>
+                  <a:noFill/>
+                </p:spPr>
+                <p:txBody>
+                  <a:bodyPr wrap="square" rtlCol="0">
+                    <a:spAutoFit/>
+                  </a:bodyPr>
+                  <a:lstStyle/>
+                  <a:p>
+                    <a:pPr algn="ctr"/>
+                    <a:r>
+                      <a:rPr lang="pt-BR" sz="1400" dirty="0" smtClean="0"/>
+                      <a:t>origens</a:t>
+                    </a:r>
+                    <a:endParaRPr lang="pt-BR" sz="1400" dirty="0"/>
+                  </a:p>
+                </p:txBody>
+              </p:sp>
+              <p:sp>
+                <p:nvSpPr>
+                  <p:cNvPr id="135" name="CaixaDeTexto 134"/>
+                  <p:cNvSpPr txBox="1"/>
+                  <p:nvPr/>
+                </p:nvSpPr>
+                <p:spPr>
+                  <a:xfrm>
+                    <a:off x="2233441" y="1979414"/>
+                    <a:ext cx="864096" cy="315833"/>
+                  </a:xfrm>
+                  <a:prstGeom prst="rect">
+                    <a:avLst/>
+                  </a:prstGeom>
+                  <a:noFill/>
+                </p:spPr>
+                <p:txBody>
+                  <a:bodyPr wrap="square" rtlCol="0">
+                    <a:spAutoFit/>
+                  </a:bodyPr>
+                  <a:lstStyle/>
+                  <a:p>
+                    <a:pPr algn="ctr"/>
+                    <a:r>
+                      <a:rPr lang="pt-BR" sz="1400" dirty="0" smtClean="0"/>
+                      <a:t>vértices</a:t>
+                    </a:r>
+                    <a:endParaRPr lang="pt-BR" sz="1400" dirty="0"/>
+                  </a:p>
+                </p:txBody>
+              </p:sp>
+              <p:sp>
+                <p:nvSpPr>
+                  <p:cNvPr id="136" name="CaixaDeTexto 135"/>
+                  <p:cNvSpPr txBox="1"/>
+                  <p:nvPr/>
+                </p:nvSpPr>
+                <p:spPr>
+                  <a:xfrm>
+                    <a:off x="3644896" y="1005034"/>
+                    <a:ext cx="1062118" cy="277700"/>
+                  </a:xfrm>
+                  <a:prstGeom prst="rect">
+                    <a:avLst/>
+                  </a:prstGeom>
+                  <a:noFill/>
+                </p:spPr>
+                <p:txBody>
+                  <a:bodyPr wrap="square" rtlCol="0">
+                    <a:spAutoFit/>
+                  </a:bodyPr>
+                  <a:lstStyle/>
+                  <a:p>
+                    <a:pPr algn="ctr"/>
+                    <a:r>
+                      <a:rPr lang="pt-BR" dirty="0" smtClean="0">
+                        <a:solidFill>
+                          <a:schemeClr val="accent1"/>
+                        </a:solidFill>
+                      </a:rPr>
+                      <a:t>Nó cabeça</a:t>
+                    </a:r>
+                    <a:endParaRPr lang="pt-BR" dirty="0">
+                      <a:solidFill>
+                        <a:schemeClr val="accent1"/>
+                      </a:solidFill>
+                    </a:endParaRPr>
+                  </a:p>
+                </p:txBody>
+              </p:sp>
+              <p:sp>
+                <p:nvSpPr>
+                  <p:cNvPr id="138" name="CaixaDeTexto 137"/>
+                  <p:cNvSpPr txBox="1"/>
+                  <p:nvPr/>
+                </p:nvSpPr>
+                <p:spPr>
+                  <a:xfrm>
+                    <a:off x="4039820" y="1520793"/>
+                    <a:ext cx="737846" cy="315833"/>
+                  </a:xfrm>
+                  <a:prstGeom prst="rect">
+                    <a:avLst/>
+                  </a:prstGeom>
+                  <a:noFill/>
+                </p:spPr>
+                <p:txBody>
+                  <a:bodyPr wrap="square" rtlCol="0">
+                    <a:spAutoFit/>
+                  </a:bodyPr>
+                  <a:lstStyle/>
+                  <a:p>
+                    <a:r>
+                      <a:rPr lang="pt-BR" sz="1400" dirty="0" smtClean="0"/>
+                      <a:t>primeiro</a:t>
+                    </a:r>
+                    <a:endParaRPr lang="pt-BR" sz="1400" dirty="0"/>
+                  </a:p>
+                </p:txBody>
+              </p:sp>
+              <p:sp>
+                <p:nvSpPr>
+                  <p:cNvPr id="139" name="CaixaDeTexto 138"/>
+                  <p:cNvSpPr txBox="1"/>
+                  <p:nvPr/>
+                </p:nvSpPr>
+                <p:spPr>
+                  <a:xfrm>
+                    <a:off x="4002644" y="1923436"/>
+                    <a:ext cx="742413" cy="315833"/>
+                  </a:xfrm>
+                  <a:prstGeom prst="rect">
+                    <a:avLst/>
+                  </a:prstGeom>
+                  <a:noFill/>
+                </p:spPr>
+                <p:txBody>
+                  <a:bodyPr wrap="square" rtlCol="0">
+                    <a:spAutoFit/>
+                  </a:bodyPr>
+                  <a:lstStyle/>
+                  <a:p>
+                    <a:pPr algn="ctr"/>
+                    <a:r>
+                      <a:rPr lang="pt-BR" sz="1400" dirty="0" smtClean="0"/>
+                      <a:t>cor</a:t>
+                    </a:r>
+                    <a:r>
+                      <a:rPr lang="pt-BR" sz="1400" dirty="0" smtClean="0"/>
+                      <a:t>rente</a:t>
+                    </a:r>
+                    <a:endParaRPr lang="pt-BR" sz="1400" dirty="0"/>
+                  </a:p>
+                </p:txBody>
+              </p:sp>
+              <p:sp>
+                <p:nvSpPr>
+                  <p:cNvPr id="140" name="CaixaDeTexto 139"/>
+                  <p:cNvSpPr txBox="1"/>
+                  <p:nvPr/>
+                </p:nvSpPr>
+                <p:spPr>
+                  <a:xfrm>
+                    <a:off x="6039567" y="3338299"/>
+                    <a:ext cx="597036" cy="320355"/>
+                  </a:xfrm>
+                  <a:prstGeom prst="rect">
+                    <a:avLst/>
+                  </a:prstGeom>
+                  <a:noFill/>
+                </p:spPr>
+                <p:txBody>
+                  <a:bodyPr wrap="square" rtlCol="0">
+                    <a:spAutoFit/>
+                  </a:bodyPr>
+                  <a:lstStyle/>
+                  <a:p>
+                    <a:pPr algn="ctr"/>
+                    <a:r>
+                      <a:rPr lang="en-US" sz="1400" dirty="0" err="1" smtClean="0"/>
+                      <a:t>pValor</a:t>
+                    </a:r>
+                    <a:endParaRPr lang="pt-BR" sz="1400" dirty="0"/>
+                  </a:p>
+                </p:txBody>
+              </p:sp>
+              <p:cxnSp>
+                <p:nvCxnSpPr>
+                  <p:cNvPr id="144" name="Conector de seta reta 143"/>
+                  <p:cNvCxnSpPr>
+                    <a:stCxn id="85" idx="0"/>
+                  </p:cNvCxnSpPr>
+                  <p:nvPr/>
+                </p:nvCxnSpPr>
+                <p:spPr>
+                  <a:xfrm flipH="1">
+                    <a:off x="6093368" y="2347716"/>
+                    <a:ext cx="3174" cy="926080"/>
+                  </a:xfrm>
+                  <a:prstGeom prst="straightConnector1">
+                    <a:avLst/>
+                  </a:prstGeom>
+                  <a:ln w="28575">
+                    <a:solidFill>
+                      <a:schemeClr val="tx1"/>
+                    </a:solidFill>
+                    <a:tailEnd type="arrow"/>
+                  </a:ln>
+                </p:spPr>
+                <p:style>
+                  <a:lnRef idx="1">
+                    <a:schemeClr val="accent1"/>
+                  </a:lnRef>
+                  <a:fillRef idx="0">
+                    <a:schemeClr val="accent1"/>
+                  </a:fillRef>
+                  <a:effectRef idx="0">
+                    <a:schemeClr val="accent1"/>
+                  </a:effectRef>
+                  <a:fontRef idx="minor">
+                    <a:schemeClr val="tx1"/>
+                  </a:fontRef>
+                </p:style>
+              </p:cxnSp>
             </p:grpSp>
             <p:sp>
               <p:nvSpPr>
-                <p:cNvPr id="85" name="Retângulo 84"/>
-                <p:cNvSpPr/>
+                <p:cNvPr id="157" name="CaixaDeTexto 156"/>
+                <p:cNvSpPr txBox="1"/>
                 <p:nvPr/>
               </p:nvSpPr>
               <p:spPr>
-                <a:xfrm rot="10800000">
-                  <a:off x="5628491" y="1411612"/>
-                  <a:ext cx="936103" cy="936104"/>
+                <a:xfrm rot="19005877">
+                  <a:off x="6600637" y="1787941"/>
+                  <a:ext cx="668993" cy="424429"/>
                 </a:xfrm>
                 <a:prstGeom prst="rect">
                   <a:avLst/>
                 </a:prstGeom>
+                <a:noFill/>
               </p:spPr>
-              <p:style>
-                <a:lnRef idx="2">
-                  <a:schemeClr val="dk1"/>
-                </a:lnRef>
-                <a:fillRef idx="1">
-                  <a:schemeClr val="lt1"/>
-                </a:fillRef>
-                <a:effectRef idx="0">
-                  <a:schemeClr val="dk1"/>
-                </a:effectRef>
-                <a:fontRef idx="minor">
-                  <a:schemeClr val="dk1"/>
-                </a:fontRef>
-              </p:style>
               <p:txBody>
-                <a:bodyPr rtlCol="0" anchor="ctr"/>
+                <a:bodyPr wrap="square" rtlCol="0">
+                  <a:spAutoFit/>
+                </a:bodyPr>
                 <a:lstStyle/>
                 <a:p>
-                  <a:pPr algn="ctr"/>
-                  <a:endParaRPr lang="pt-BR"/>
+                  <a:r>
+                    <a:rPr lang="pt-BR" sz="1400" dirty="0" smtClean="0"/>
+                    <a:t>ant.</a:t>
+                  </a:r>
+                  <a:endParaRPr lang="pt-BR" sz="1400" dirty="0"/>
                 </a:p>
               </p:txBody>
             </p:sp>
-            <p:cxnSp>
-              <p:nvCxnSpPr>
-                <p:cNvPr id="86" name="Conector reto 85"/>
-                <p:cNvCxnSpPr/>
+            <p:sp>
+              <p:nvSpPr>
+                <p:cNvPr id="158" name="CaixaDeTexto 157"/>
+                <p:cNvSpPr txBox="1"/>
                 <p:nvPr/>
-              </p:nvCxnSpPr>
+              </p:nvSpPr>
               <p:spPr>
-                <a:xfrm flipV="1">
-                  <a:off x="5919084" y="1419214"/>
-                  <a:ext cx="0" cy="918408"/>
+                <a:xfrm rot="19341962">
+                  <a:off x="7602424" y="1790131"/>
+                  <a:ext cx="833737" cy="420048"/>
                 </a:xfrm>
-                <a:prstGeom prst="line">
+                <a:prstGeom prst="rect">
                   <a:avLst/>
                 </a:prstGeom>
-                <a:ln w="28575">
-                  <a:solidFill>
-                    <a:schemeClr val="tx1"/>
-                  </a:solidFill>
-                </a:ln>
+                <a:noFill/>
               </p:spPr>
-              <p:style>
-                <a:lnRef idx="1">
-                  <a:schemeClr val="accent1"/>
-                </a:lnRef>
-                <a:fillRef idx="0">
-                  <a:schemeClr val="accent1"/>
-                </a:fillRef>
-                <a:effectRef idx="0">
-                  <a:schemeClr val="accent1"/>
-                </a:effectRef>
-                <a:fontRef idx="minor">
-                  <a:schemeClr val="tx1"/>
-                </a:fontRef>
-              </p:style>
-            </p:cxnSp>
-            <p:cxnSp>
-              <p:nvCxnSpPr>
-                <p:cNvPr id="88" name="Conector reto 87"/>
-                <p:cNvCxnSpPr/>
-                <p:nvPr/>
-              </p:nvCxnSpPr>
-              <p:spPr>
-                <a:xfrm flipH="1" flipV="1">
-                  <a:off x="6295469" y="1419214"/>
-                  <a:ext cx="1" cy="918408"/>
-                </a:xfrm>
-                <a:prstGeom prst="line">
-                  <a:avLst/>
-                </a:prstGeom>
-                <a:ln w="28575">
-                  <a:solidFill>
-                    <a:schemeClr val="tx1"/>
-                  </a:solidFill>
-                </a:ln>
-              </p:spPr>
-              <p:style>
-                <a:lnRef idx="1">
-                  <a:schemeClr val="accent1"/>
-                </a:lnRef>
-                <a:fillRef idx="0">
-                  <a:schemeClr val="accent1"/>
-                </a:fillRef>
-                <a:effectRef idx="0">
-                  <a:schemeClr val="accent1"/>
-                </a:effectRef>
-                <a:fontRef idx="minor">
-                  <a:schemeClr val="tx1"/>
-                </a:fontRef>
-              </p:style>
-            </p:cxnSp>
-            <p:cxnSp>
-              <p:nvCxnSpPr>
-                <p:cNvPr id="107" name="Conector em curva 106"/>
-                <p:cNvCxnSpPr/>
-                <p:nvPr/>
-              </p:nvCxnSpPr>
-              <p:spPr>
-                <a:xfrm rot="5400000" flipH="1" flipV="1">
-                  <a:off x="5445101" y="1707828"/>
-                  <a:ext cx="936882" cy="359653"/>
-                </a:xfrm>
-                <a:prstGeom prst="curvedConnector5">
-                  <a:avLst>
-                    <a:gd name="adj1" fmla="val -30520"/>
-                    <a:gd name="adj2" fmla="val -129655"/>
-                    <a:gd name="adj3" fmla="val 146607"/>
-                  </a:avLst>
-                </a:prstGeom>
-                <a:ln w="28575">
-                  <a:solidFill>
-                    <a:schemeClr val="tx1"/>
-                  </a:solidFill>
-                  <a:tailEnd type="arrow"/>
-                </a:ln>
-              </p:spPr>
-              <p:style>
-                <a:lnRef idx="1">
-                  <a:schemeClr val="accent1"/>
-                </a:lnRef>
-                <a:fillRef idx="0">
-                  <a:schemeClr val="accent1"/>
-                </a:fillRef>
-                <a:effectRef idx="0">
-                  <a:schemeClr val="accent1"/>
-                </a:effectRef>
-                <a:fontRef idx="minor">
-                  <a:schemeClr val="tx1"/>
-                </a:fontRef>
-              </p:style>
-            </p:cxnSp>
-            <p:cxnSp>
-              <p:nvCxnSpPr>
-                <p:cNvPr id="123" name="Conector de seta reta 122"/>
-                <p:cNvCxnSpPr/>
-                <p:nvPr/>
-              </p:nvCxnSpPr>
-              <p:spPr>
-                <a:xfrm>
-                  <a:off x="4644007" y="1628800"/>
-                  <a:ext cx="972109" cy="0"/>
-                </a:xfrm>
-                <a:prstGeom prst="straightConnector1">
-                  <a:avLst/>
-                </a:prstGeom>
-                <a:ln w="28575">
-                  <a:solidFill>
-                    <a:schemeClr val="tx1"/>
-                  </a:solidFill>
-                  <a:tailEnd type="arrow"/>
-                </a:ln>
-              </p:spPr>
-              <p:style>
-                <a:lnRef idx="1">
-                  <a:schemeClr val="accent1"/>
-                </a:lnRef>
-                <a:fillRef idx="0">
-                  <a:schemeClr val="accent1"/>
-                </a:fillRef>
-                <a:effectRef idx="0">
-                  <a:schemeClr val="accent1"/>
-                </a:effectRef>
-                <a:fontRef idx="minor">
-                  <a:schemeClr val="tx1"/>
-                </a:fontRef>
-              </p:style>
-            </p:cxnSp>
-            <p:cxnSp>
-              <p:nvCxnSpPr>
-                <p:cNvPr id="125" name="Conector de seta reta 124"/>
-                <p:cNvCxnSpPr/>
-                <p:nvPr/>
-              </p:nvCxnSpPr>
-              <p:spPr>
-                <a:xfrm>
-                  <a:off x="4643623" y="2068666"/>
-                  <a:ext cx="972109" cy="0"/>
-                </a:xfrm>
-                <a:prstGeom prst="straightConnector1">
-                  <a:avLst/>
-                </a:prstGeom>
-                <a:ln w="28575">
-                  <a:solidFill>
-                    <a:schemeClr val="tx1"/>
-                  </a:solidFill>
-                  <a:tailEnd type="arrow"/>
-                </a:ln>
-              </p:spPr>
-              <p:style>
-                <a:lnRef idx="1">
-                  <a:schemeClr val="accent1"/>
-                </a:lnRef>
-                <a:fillRef idx="0">
-                  <a:schemeClr val="accent1"/>
-                </a:fillRef>
-                <a:effectRef idx="0">
-                  <a:schemeClr val="accent1"/>
-                </a:effectRef>
-                <a:fontRef idx="minor">
-                  <a:schemeClr val="tx1"/>
-                </a:fontRef>
-              </p:style>
-            </p:cxnSp>
+              <p:txBody>
+                <a:bodyPr wrap="square" rtlCol="0">
+                  <a:spAutoFit/>
+                </a:bodyPr>
+                <a:lstStyle/>
+                <a:p>
+                  <a:r>
+                    <a:rPr lang="pt-BR" sz="1400" dirty="0" smtClean="0"/>
+                    <a:t>prox.</a:t>
+                  </a:r>
+                  <a:endParaRPr lang="pt-BR" sz="1400" dirty="0"/>
+                </a:p>
+              </p:txBody>
+            </p:sp>
             <p:sp>
               <p:nvSpPr>
-                <p:cNvPr id="132" name="CaixaDeTexto 131"/>
+                <p:cNvPr id="159" name="CaixaDeTexto 158"/>
                 <p:cNvSpPr txBox="1"/>
                 <p:nvPr/>
               </p:nvSpPr>
               <p:spPr>
                 <a:xfrm>
-                  <a:off x="1907704" y="2420888"/>
-                  <a:ext cx="1008112" cy="369332"/>
+                  <a:off x="7164287" y="1822969"/>
+                  <a:ext cx="622371" cy="420048"/>
                 </a:xfrm>
                 <a:prstGeom prst="rect">
                   <a:avLst/>
@@ -3886,202 +4200,23 @@
                 <a:p>
                   <a:pPr algn="ctr"/>
                   <a:r>
-                    <a:rPr lang="pt-BR" dirty="0" smtClean="0">
-                      <a:solidFill>
-                        <a:schemeClr val="accent1"/>
-                      </a:solidFill>
-                    </a:rPr>
-                    <a:t>Grafo</a:t>
+                    <a:rPr lang="pt-BR" sz="1400" dirty="0" smtClean="0"/>
+                    <a:t>Info</a:t>
                   </a:r>
-                  <a:endParaRPr lang="pt-BR" dirty="0">
-                    <a:solidFill>
-                      <a:schemeClr val="accent1"/>
-                    </a:solidFill>
-                  </a:endParaRPr>
+                  <a:endParaRPr lang="pt-BR" sz="1400" dirty="0"/>
                 </a:p>
               </p:txBody>
             </p:sp>
             <p:sp>
               <p:nvSpPr>
-                <p:cNvPr id="133" name="CaixaDeTexto 132"/>
+                <p:cNvPr id="161" name="CaixaDeTexto 160"/>
                 <p:cNvSpPr txBox="1"/>
                 <p:nvPr/>
               </p:nvSpPr>
               <p:spPr>
                 <a:xfrm>
-                  <a:off x="5628491" y="4293096"/>
-                  <a:ext cx="936103" cy="369332"/>
-                </a:xfrm>
-                <a:prstGeom prst="rect">
-                  <a:avLst/>
-                </a:prstGeom>
-                <a:noFill/>
-              </p:spPr>
-              <p:txBody>
-                <a:bodyPr wrap="square" rtlCol="0">
-                  <a:spAutoFit/>
-                </a:bodyPr>
-                <a:lstStyle/>
-                <a:p>
-                  <a:pPr algn="ctr"/>
-                  <a:r>
-                    <a:rPr lang="pt-BR" dirty="0" smtClean="0">
-                      <a:solidFill>
-                        <a:schemeClr val="accent1"/>
-                      </a:solidFill>
-                    </a:rPr>
-                    <a:t>Vértice</a:t>
-                  </a:r>
-                  <a:endParaRPr lang="pt-BR" dirty="0">
-                    <a:solidFill>
-                      <a:schemeClr val="accent1"/>
-                    </a:solidFill>
-                  </a:endParaRPr>
-                </a:p>
-              </p:txBody>
-            </p:sp>
-            <p:sp>
-              <p:nvSpPr>
-                <p:cNvPr id="134" name="CaixaDeTexto 133"/>
-                <p:cNvSpPr txBox="1"/>
-                <p:nvPr/>
-              </p:nvSpPr>
-              <p:spPr>
-                <a:xfrm>
-                  <a:off x="1979712" y="1501425"/>
-                  <a:ext cx="864096" cy="338554"/>
-                </a:xfrm>
-                <a:prstGeom prst="rect">
-                  <a:avLst/>
-                </a:prstGeom>
-                <a:noFill/>
-              </p:spPr>
-              <p:txBody>
-                <a:bodyPr wrap="square" rtlCol="0">
-                  <a:spAutoFit/>
-                </a:bodyPr>
-                <a:lstStyle/>
-                <a:p>
-                  <a:pPr algn="ctr"/>
-                  <a:r>
-                    <a:rPr lang="pt-BR" sz="1600" dirty="0" smtClean="0"/>
-                    <a:t>origens</a:t>
-                  </a:r>
-                  <a:endParaRPr lang="pt-BR" sz="1600" dirty="0"/>
-                </a:p>
-              </p:txBody>
-            </p:sp>
-            <p:sp>
-              <p:nvSpPr>
-                <p:cNvPr id="135" name="CaixaDeTexto 134"/>
-                <p:cNvSpPr txBox="1"/>
-                <p:nvPr/>
-              </p:nvSpPr>
-              <p:spPr>
-                <a:xfrm>
-                  <a:off x="1993605" y="1941387"/>
-                  <a:ext cx="864096" cy="254558"/>
-                </a:xfrm>
-                <a:prstGeom prst="rect">
-                  <a:avLst/>
-                </a:prstGeom>
-                <a:noFill/>
-              </p:spPr>
-              <p:txBody>
-                <a:bodyPr wrap="square" rtlCol="0">
-                  <a:spAutoFit/>
-                </a:bodyPr>
-                <a:lstStyle/>
-                <a:p>
-                  <a:pPr algn="ctr"/>
-                  <a:r>
-                    <a:rPr lang="pt-BR" sz="1600" dirty="0" smtClean="0"/>
-                    <a:t>vértices</a:t>
-                  </a:r>
-                  <a:endParaRPr lang="pt-BR" sz="1600" dirty="0"/>
-                </a:p>
-              </p:txBody>
-            </p:sp>
-            <p:sp>
-              <p:nvSpPr>
-                <p:cNvPr id="136" name="CaixaDeTexto 135"/>
-                <p:cNvSpPr txBox="1"/>
-                <p:nvPr/>
-              </p:nvSpPr>
-              <p:spPr>
-                <a:xfrm>
-                  <a:off x="3644896" y="1005034"/>
-                  <a:ext cx="1062118" cy="277700"/>
-                </a:xfrm>
-                <a:prstGeom prst="rect">
-                  <a:avLst/>
-                </a:prstGeom>
-                <a:noFill/>
-              </p:spPr>
-              <p:txBody>
-                <a:bodyPr wrap="square" rtlCol="0">
-                  <a:spAutoFit/>
-                </a:bodyPr>
-                <a:lstStyle/>
-                <a:p>
-                  <a:pPr algn="ctr"/>
-                  <a:r>
-                    <a:rPr lang="pt-BR" dirty="0" smtClean="0">
-                      <a:solidFill>
-                        <a:schemeClr val="accent1"/>
-                      </a:solidFill>
-                    </a:rPr>
-                    <a:t>Nó cabeça</a:t>
-                  </a:r>
-                  <a:endParaRPr lang="pt-BR" dirty="0">
-                    <a:solidFill>
-                      <a:schemeClr val="accent1"/>
-                    </a:solidFill>
-                  </a:endParaRPr>
-                </a:p>
-              </p:txBody>
-            </p:sp>
-            <p:sp>
-              <p:nvSpPr>
-                <p:cNvPr id="137" name="CaixaDeTexto 136"/>
-                <p:cNvSpPr txBox="1"/>
-                <p:nvPr/>
-              </p:nvSpPr>
-              <p:spPr>
-                <a:xfrm>
-                  <a:off x="3725906" y="1722294"/>
-                  <a:ext cx="396043" cy="254558"/>
-                </a:xfrm>
-                <a:prstGeom prst="rect">
-                  <a:avLst/>
-                </a:prstGeom>
-                <a:noFill/>
-              </p:spPr>
-              <p:txBody>
-                <a:bodyPr wrap="square" rtlCol="0">
-                  <a:spAutoFit/>
-                </a:bodyPr>
-                <a:lstStyle/>
-                <a:p>
-                  <a:pPr algn="ctr"/>
-                  <a:r>
-                    <a:rPr lang="pt-BR" sz="1600" dirty="0" smtClean="0"/>
-                    <a:t>Id</a:t>
-                  </a:r>
-                  <a:endParaRPr lang="pt-BR" sz="1600" dirty="0"/>
-                </a:p>
-              </p:txBody>
-            </p:sp>
-            <p:sp>
-              <p:nvSpPr>
-                <p:cNvPr id="138" name="CaixaDeTexto 137"/>
-                <p:cNvSpPr txBox="1"/>
-                <p:nvPr/>
-              </p:nvSpPr>
-              <p:spPr>
-                <a:xfrm rot="20251566">
-                  <a:off x="4209618" y="1459523"/>
-                  <a:ext cx="653944" cy="338554"/>
+                  <a:off x="6637366" y="3996704"/>
+                  <a:ext cx="894183" cy="420048"/>
                 </a:xfrm>
                 <a:prstGeom prst="rect">
                   <a:avLst/>
@@ -4095,23 +4230,23 @@
                 <a:lstStyle/>
                 <a:p>
                   <a:r>
-                    <a:rPr lang="pt-BR" sz="1600" dirty="0" smtClean="0"/>
-                    <a:t>prim.</a:t>
+                    <a:rPr lang="pt-BR" sz="1400" dirty="0" smtClean="0"/>
+                    <a:t>arestas</a:t>
                   </a:r>
-                  <a:endParaRPr lang="pt-BR" sz="1600" dirty="0"/>
+                  <a:endParaRPr lang="pt-BR" sz="1400" dirty="0"/>
                 </a:p>
               </p:txBody>
             </p:sp>
             <p:sp>
               <p:nvSpPr>
-                <p:cNvPr id="139" name="CaixaDeTexto 138"/>
+                <p:cNvPr id="163" name="CaixaDeTexto 162"/>
                 <p:cNvSpPr txBox="1"/>
                 <p:nvPr/>
               </p:nvSpPr>
               <p:spPr>
-                <a:xfrm rot="20251566">
-                  <a:off x="4083010" y="1970201"/>
-                  <a:ext cx="653944" cy="338554"/>
+                <a:xfrm>
+                  <a:off x="6600667" y="4632508"/>
+                  <a:ext cx="980302" cy="420048"/>
                 </a:xfrm>
                 <a:prstGeom prst="rect">
                   <a:avLst/>
@@ -4124,61 +4259,31 @@
                 </a:bodyPr>
                 <a:lstStyle/>
                 <a:p>
-                  <a:pPr algn="ctr"/>
                   <a:r>
-                    <a:rPr lang="pt-BR" sz="1600" dirty="0" smtClean="0"/>
-                    <a:t>cor.</a:t>
+                    <a:rPr lang="pt-BR" sz="1400" dirty="0" smtClean="0"/>
+                    <a:t>visitado</a:t>
                   </a:r>
-                  <a:endParaRPr lang="pt-BR" sz="1600" dirty="0"/>
-                </a:p>
-              </p:txBody>
-            </p:sp>
-            <p:sp>
-              <p:nvSpPr>
-                <p:cNvPr id="140" name="CaixaDeTexto 139"/>
-                <p:cNvSpPr txBox="1"/>
-                <p:nvPr/>
-              </p:nvSpPr>
-              <p:spPr>
-                <a:xfrm>
-                  <a:off x="6130302" y="3614571"/>
-                  <a:ext cx="396043" cy="254558"/>
-                </a:xfrm>
-                <a:prstGeom prst="rect">
-                  <a:avLst/>
-                </a:prstGeom>
-                <a:noFill/>
-              </p:spPr>
-              <p:txBody>
-                <a:bodyPr wrap="square" rtlCol="0">
-                  <a:spAutoFit/>
-                </a:bodyPr>
-                <a:lstStyle/>
-                <a:p>
-                  <a:pPr algn="ctr"/>
-                  <a:r>
-                    <a:rPr lang="pt-BR" sz="1600" dirty="0" smtClean="0"/>
-                    <a:t>Id</a:t>
-                  </a:r>
-                  <a:endParaRPr lang="pt-BR" sz="1600" dirty="0"/>
+                  <a:endParaRPr lang="pt-BR" sz="1400" dirty="0"/>
                 </a:p>
               </p:txBody>
             </p:sp>
             <p:cxnSp>
               <p:nvCxnSpPr>
-                <p:cNvPr id="144" name="Conector de seta reta 143"/>
-                <p:cNvCxnSpPr>
-                  <a:stCxn id="85" idx="0"/>
-                </p:cNvCxnSpPr>
+                <p:cNvPr id="168" name="Conector em curva 167"/>
+                <p:cNvCxnSpPr/>
                 <p:nvPr/>
               </p:nvCxnSpPr>
               <p:spPr>
-                <a:xfrm flipH="1">
-                  <a:off x="6093368" y="2347716"/>
-                  <a:ext cx="3174" cy="926080"/>
+                <a:xfrm rot="16200000" flipV="1">
+                  <a:off x="7094300" y="1749769"/>
+                  <a:ext cx="1246023" cy="561681"/>
                 </a:xfrm>
-                <a:prstGeom prst="straightConnector1">
-                  <a:avLst/>
+                <a:prstGeom prst="curvedConnector5">
+                  <a:avLst>
+                    <a:gd name="adj1" fmla="val -30520"/>
+                    <a:gd name="adj2" fmla="val -107851"/>
+                    <a:gd name="adj3" fmla="val 144700"/>
+                  </a:avLst>
                 </a:prstGeom>
                 <a:ln w="28575">
                   <a:solidFill>
@@ -4205,74 +4310,14 @@
           </p:grpSp>
           <p:sp>
             <p:nvSpPr>
-              <p:cNvPr id="157" name="CaixaDeTexto 156"/>
+              <p:cNvPr id="170" name="CaixaDeTexto 169"/>
               <p:cNvSpPr txBox="1"/>
               <p:nvPr/>
             </p:nvSpPr>
             <p:spPr>
               <a:xfrm>
-                <a:off x="6711254" y="1873617"/>
-                <a:ext cx="561681" cy="338554"/>
-              </a:xfrm>
-              <a:prstGeom prst="rect">
-                <a:avLst/>
-              </a:prstGeom>
-              <a:noFill/>
-            </p:spPr>
-            <p:txBody>
-              <a:bodyPr wrap="square" rtlCol="0">
-                <a:spAutoFit/>
-              </a:bodyPr>
-              <a:lstStyle/>
-              <a:p>
-                <a:r>
-                  <a:rPr lang="pt-BR" sz="1600" dirty="0" smtClean="0"/>
-                  <a:t>ant.</a:t>
-                </a:r>
-                <a:endParaRPr lang="pt-BR" sz="1600" dirty="0"/>
-              </a:p>
-            </p:txBody>
-          </p:sp>
-          <p:sp>
-            <p:nvSpPr>
-              <p:cNvPr id="158" name="CaixaDeTexto 157"/>
-              <p:cNvSpPr txBox="1"/>
-              <p:nvPr/>
-            </p:nvSpPr>
-            <p:spPr>
-              <a:xfrm>
-                <a:off x="7678933" y="1850080"/>
-                <a:ext cx="695816" cy="338554"/>
-              </a:xfrm>
-              <a:prstGeom prst="rect">
-                <a:avLst/>
-              </a:prstGeom>
-              <a:noFill/>
-            </p:spPr>
-            <p:txBody>
-              <a:bodyPr wrap="square" rtlCol="0">
-                <a:spAutoFit/>
-              </a:bodyPr>
-              <a:lstStyle/>
-              <a:p>
-                <a:r>
-                  <a:rPr lang="pt-BR" sz="1600" dirty="0" smtClean="0"/>
-                  <a:t>prox.</a:t>
-                </a:r>
-                <a:endParaRPr lang="pt-BR" sz="1600" dirty="0"/>
-              </a:p>
-            </p:txBody>
-          </p:sp>
-          <p:sp>
-            <p:nvSpPr>
-              <p:cNvPr id="159" name="CaixaDeTexto 158"/>
-              <p:cNvSpPr txBox="1"/>
-              <p:nvPr/>
-            </p:nvSpPr>
-            <p:spPr>
-              <a:xfrm>
-                <a:off x="7164287" y="1822970"/>
-                <a:ext cx="587814" cy="338554"/>
+                <a:off x="6719695" y="-39042"/>
+                <a:ext cx="1401413" cy="369331"/>
               </a:xfrm>
               <a:prstGeom prst="rect">
                 <a:avLst/>
@@ -4287,124 +4332,69 @@
               <a:p>
                 <a:pPr algn="ctr"/>
                 <a:r>
-                  <a:rPr lang="pt-BR" sz="1600" dirty="0" smtClean="0"/>
-                  <a:t>Info</a:t>
+                  <a:rPr lang="pt-BR" dirty="0" smtClean="0">
+                    <a:solidFill>
+                      <a:schemeClr val="accent1"/>
+                    </a:solidFill>
+                  </a:rPr>
+                  <a:t>Nó Elemento</a:t>
                 </a:r>
-                <a:endParaRPr lang="pt-BR" sz="1600" dirty="0"/>
+                <a:endParaRPr lang="pt-BR" dirty="0">
+                  <a:solidFill>
+                    <a:schemeClr val="accent1"/>
+                  </a:solidFill>
+                </a:endParaRPr>
               </a:p>
             </p:txBody>
           </p:sp>
-          <p:sp>
-            <p:nvSpPr>
-              <p:cNvPr id="161" name="CaixaDeTexto 160"/>
-              <p:cNvSpPr txBox="1"/>
-              <p:nvPr/>
-            </p:nvSpPr>
-            <p:spPr>
-              <a:xfrm rot="19666334">
-                <a:off x="6616585" y="4019326"/>
-                <a:ext cx="853004" cy="338554"/>
-              </a:xfrm>
-              <a:prstGeom prst="rect">
-                <a:avLst/>
-              </a:prstGeom>
-              <a:noFill/>
-            </p:spPr>
-            <p:txBody>
-              <a:bodyPr wrap="square" rtlCol="0">
-                <a:spAutoFit/>
-              </a:bodyPr>
-              <a:lstStyle/>
-              <a:p>
-                <a:r>
-                  <a:rPr lang="pt-BR" sz="1600" dirty="0" smtClean="0"/>
-                  <a:t>arestas</a:t>
-                </a:r>
-                <a:endParaRPr lang="pt-BR" sz="1600" dirty="0"/>
-              </a:p>
-            </p:txBody>
-          </p:sp>
-          <p:sp>
-            <p:nvSpPr>
-              <p:cNvPr id="163" name="CaixaDeTexto 162"/>
-              <p:cNvSpPr txBox="1"/>
-              <p:nvPr/>
-            </p:nvSpPr>
-            <p:spPr>
-              <a:xfrm rot="19666334">
-                <a:off x="6657957" y="4645437"/>
-                <a:ext cx="853004" cy="338554"/>
-              </a:xfrm>
-              <a:prstGeom prst="rect">
-                <a:avLst/>
-              </a:prstGeom>
-              <a:noFill/>
-            </p:spPr>
-            <p:txBody>
-              <a:bodyPr wrap="square" rtlCol="0">
-                <a:spAutoFit/>
-              </a:bodyPr>
-              <a:lstStyle/>
-              <a:p>
-                <a:r>
-                  <a:rPr lang="pt-BR" sz="1600" dirty="0" smtClean="0"/>
-                  <a:t>visitado</a:t>
-                </a:r>
-                <a:endParaRPr lang="pt-BR" sz="1600" dirty="0"/>
-              </a:p>
-            </p:txBody>
-          </p:sp>
-          <p:cxnSp>
-            <p:nvCxnSpPr>
-              <p:cNvPr id="168" name="Conector em curva 167"/>
-              <p:cNvCxnSpPr/>
-              <p:nvPr/>
-            </p:nvCxnSpPr>
-            <p:spPr>
-              <a:xfrm rot="16200000" flipV="1">
-                <a:off x="7094300" y="1749769"/>
-                <a:ext cx="1246023" cy="561681"/>
-              </a:xfrm>
-              <a:prstGeom prst="curvedConnector5">
-                <a:avLst>
-                  <a:gd name="adj1" fmla="val -30520"/>
-                  <a:gd name="adj2" fmla="val -129655"/>
-                  <a:gd name="adj3" fmla="val 146607"/>
-                </a:avLst>
-              </a:prstGeom>
-              <a:ln w="28575">
-                <a:solidFill>
-                  <a:schemeClr val="tx1"/>
-                </a:solidFill>
-                <a:tailEnd type="arrow"/>
-              </a:ln>
-            </p:spPr>
-            <p:style>
-              <a:lnRef idx="1">
-                <a:schemeClr val="accent1"/>
-              </a:lnRef>
-              <a:fillRef idx="0">
-                <a:schemeClr val="accent1"/>
-              </a:fillRef>
-              <a:effectRef idx="0">
-                <a:schemeClr val="accent1"/>
-              </a:effectRef>
-              <a:fontRef idx="minor">
+        </p:grpSp>
+        <p:cxnSp>
+          <p:nvCxnSpPr>
+            <p:cNvPr id="8" name="Straight Connector 7"/>
+            <p:cNvCxnSpPr>
+              <a:endCxn id="73" idx="3"/>
+            </p:cNvCxnSpPr>
+            <p:nvPr/>
+          </p:nvCxnSpPr>
+          <p:spPr>
+            <a:xfrm>
+              <a:off x="7435565" y="4657461"/>
+              <a:ext cx="735929" cy="1"/>
+            </a:xfrm>
+            <a:prstGeom prst="line">
+              <a:avLst/>
+            </a:prstGeom>
+            <a:ln w="28575">
+              <a:solidFill>
                 <a:schemeClr val="tx1"/>
-              </a:fontRef>
-            </p:style>
-          </p:cxnSp>
-        </p:grpSp>
+              </a:solidFill>
+            </a:ln>
+          </p:spPr>
+          <p:style>
+            <a:lnRef idx="1">
+              <a:schemeClr val="accent1"/>
+            </a:lnRef>
+            <a:fillRef idx="0">
+              <a:schemeClr val="accent1"/>
+            </a:fillRef>
+            <a:effectRef idx="0">
+              <a:schemeClr val="accent1"/>
+            </a:effectRef>
+            <a:fontRef idx="minor">
+              <a:schemeClr val="tx1"/>
+            </a:fontRef>
+          </p:style>
+        </p:cxnSp>
         <p:sp>
           <p:nvSpPr>
-            <p:cNvPr id="170" name="CaixaDeTexto 169"/>
+            <p:cNvPr id="12" name="TextBox 11"/>
             <p:cNvSpPr txBox="1"/>
             <p:nvPr/>
           </p:nvSpPr>
           <p:spPr>
             <a:xfrm>
-              <a:off x="6720490" y="332656"/>
-              <a:ext cx="1401412" cy="369332"/>
+              <a:off x="7395675" y="4749624"/>
+              <a:ext cx="844143" cy="420048"/>
             </a:xfrm>
             <a:prstGeom prst="rect">
               <a:avLst/>
@@ -4417,23 +4407,337 @@
             </a:bodyPr>
             <a:lstStyle/>
             <a:p>
-              <a:pPr algn="ctr"/>
               <a:r>
-                <a:rPr lang="pt-BR" dirty="0" smtClean="0">
-                  <a:solidFill>
-                    <a:schemeClr val="accent1"/>
-                  </a:solidFill>
-                </a:rPr>
-                <a:t>Nó Elemento</a:t>
+                <a:rPr lang="en-US" sz="1400" dirty="0" smtClean="0"/>
+                <a:t>excluir</a:t>
               </a:r>
-              <a:endParaRPr lang="pt-BR" dirty="0">
-                <a:solidFill>
-                  <a:schemeClr val="accent1"/>
-                </a:solidFill>
-              </a:endParaRPr>
+              <a:endParaRPr lang="pt-BR" sz="1400" dirty="0"/>
             </a:p>
           </p:txBody>
         </p:sp>
+        <p:cxnSp>
+          <p:nvCxnSpPr>
+            <p:cNvPr id="16" name="Straight Connector 15"/>
+            <p:cNvCxnSpPr/>
+            <p:nvPr/>
+          </p:nvCxnSpPr>
+          <p:spPr>
+            <a:xfrm>
+              <a:off x="4299587" y="1544894"/>
+              <a:ext cx="0" cy="1244989"/>
+            </a:xfrm>
+            <a:prstGeom prst="line">
+              <a:avLst/>
+            </a:prstGeom>
+            <a:ln w="28575">
+              <a:solidFill>
+                <a:schemeClr val="tx1"/>
+              </a:solidFill>
+            </a:ln>
+          </p:spPr>
+          <p:style>
+            <a:lnRef idx="1">
+              <a:schemeClr val="accent1"/>
+            </a:lnRef>
+            <a:fillRef idx="0">
+              <a:schemeClr val="accent1"/>
+            </a:fillRef>
+            <a:effectRef idx="0">
+              <a:schemeClr val="accent1"/>
+            </a:effectRef>
+            <a:fontRef idx="minor">
+              <a:schemeClr val="tx1"/>
+            </a:fontRef>
+          </p:style>
+        </p:cxnSp>
+        <p:cxnSp>
+          <p:nvCxnSpPr>
+            <p:cNvPr id="19" name="Straight Connector 18"/>
+            <p:cNvCxnSpPr>
+              <a:stCxn id="9" idx="1"/>
+            </p:cNvCxnSpPr>
+            <p:nvPr/>
+          </p:nvCxnSpPr>
+          <p:spPr>
+            <a:xfrm flipH="1">
+              <a:off x="4299587" y="2181845"/>
+              <a:ext cx="872467" cy="9595"/>
+            </a:xfrm>
+            <a:prstGeom prst="line">
+              <a:avLst/>
+            </a:prstGeom>
+            <a:ln w="28575">
+              <a:solidFill>
+                <a:schemeClr val="tx1"/>
+              </a:solidFill>
+            </a:ln>
+          </p:spPr>
+          <p:style>
+            <a:lnRef idx="1">
+              <a:schemeClr val="accent1"/>
+            </a:lnRef>
+            <a:fillRef idx="0">
+              <a:schemeClr val="accent1"/>
+            </a:fillRef>
+            <a:effectRef idx="0">
+              <a:schemeClr val="accent1"/>
+            </a:effectRef>
+            <a:fontRef idx="minor">
+              <a:schemeClr val="tx1"/>
+            </a:fontRef>
+          </p:style>
+        </p:cxnSp>
+        <p:sp>
+          <p:nvSpPr>
+            <p:cNvPr id="62" name="TextBox 61"/>
+            <p:cNvSpPr txBox="1"/>
+            <p:nvPr/>
+          </p:nvSpPr>
+          <p:spPr>
+            <a:xfrm rot="19144967">
+              <a:off x="3584667" y="1944260"/>
+              <a:ext cx="956239" cy="420048"/>
+            </a:xfrm>
+            <a:prstGeom prst="rect">
+              <a:avLst/>
+            </a:prstGeom>
+            <a:noFill/>
+          </p:spPr>
+          <p:txBody>
+            <a:bodyPr wrap="square" rtlCol="0">
+              <a:spAutoFit/>
+            </a:bodyPr>
+            <a:lstStyle/>
+            <a:p>
+              <a:r>
+                <a:rPr lang="en-US" sz="1400" dirty="0" smtClean="0"/>
+                <a:t>excluir</a:t>
+              </a:r>
+              <a:endParaRPr lang="pt-BR" sz="1400" dirty="0"/>
+            </a:p>
+          </p:txBody>
+        </p:sp>
+        <p:cxnSp>
+          <p:nvCxnSpPr>
+            <p:cNvPr id="28" name="Straight Connector 27"/>
+            <p:cNvCxnSpPr>
+              <a:stCxn id="4" idx="0"/>
+              <a:endCxn id="4" idx="2"/>
+            </p:cNvCxnSpPr>
+            <p:nvPr/>
+          </p:nvCxnSpPr>
+          <p:spPr>
+            <a:xfrm>
+              <a:off x="1685886" y="1559351"/>
+              <a:ext cx="0" cy="1244989"/>
+            </a:xfrm>
+            <a:prstGeom prst="line">
+              <a:avLst/>
+            </a:prstGeom>
+            <a:ln w="28575">
+              <a:solidFill>
+                <a:schemeClr val="tx1"/>
+              </a:solidFill>
+            </a:ln>
+          </p:spPr>
+          <p:style>
+            <a:lnRef idx="1">
+              <a:schemeClr val="accent1"/>
+            </a:lnRef>
+            <a:fillRef idx="0">
+              <a:schemeClr val="accent1"/>
+            </a:fillRef>
+            <a:effectRef idx="0">
+              <a:schemeClr val="accent1"/>
+            </a:effectRef>
+            <a:fontRef idx="minor">
+              <a:schemeClr val="tx1"/>
+            </a:fontRef>
+          </p:style>
+        </p:cxnSp>
+        <p:sp>
+          <p:nvSpPr>
+            <p:cNvPr id="71" name="TextBox 70"/>
+            <p:cNvSpPr txBox="1"/>
+            <p:nvPr/>
+          </p:nvSpPr>
+          <p:spPr>
+            <a:xfrm>
+              <a:off x="893731" y="1659432"/>
+              <a:ext cx="886242" cy="399045"/>
+            </a:xfrm>
+            <a:prstGeom prst="rect">
+              <a:avLst/>
+            </a:prstGeom>
+            <a:noFill/>
+          </p:spPr>
+          <p:txBody>
+            <a:bodyPr wrap="square" rtlCol="0">
+              <a:spAutoFit/>
+            </a:bodyPr>
+            <a:lstStyle/>
+            <a:p>
+              <a:r>
+                <a:rPr lang="en-US" sz="1300" dirty="0" smtClean="0"/>
+                <a:t>excluir</a:t>
+              </a:r>
+              <a:endParaRPr lang="pt-BR" sz="1300" dirty="0"/>
+            </a:p>
+          </p:txBody>
+        </p:sp>
+        <p:sp>
+          <p:nvSpPr>
+            <p:cNvPr id="30" name="TextBox 29"/>
+            <p:cNvSpPr txBox="1"/>
+            <p:nvPr/>
+          </p:nvSpPr>
+          <p:spPr>
+            <a:xfrm>
+              <a:off x="837522" y="2312879"/>
+              <a:ext cx="998510" cy="378043"/>
+            </a:xfrm>
+            <a:prstGeom prst="rect">
+              <a:avLst/>
+            </a:prstGeom>
+            <a:noFill/>
+          </p:spPr>
+          <p:txBody>
+            <a:bodyPr wrap="square" rtlCol="0">
+              <a:spAutoFit/>
+            </a:bodyPr>
+            <a:lstStyle/>
+            <a:p>
+              <a:r>
+                <a:rPr lang="en-US" sz="1200" dirty="0" err="1" smtClean="0"/>
+                <a:t>compara</a:t>
+              </a:r>
+              <a:endParaRPr lang="pt-BR" sz="1200" dirty="0"/>
+            </a:p>
+          </p:txBody>
+        </p:sp>
+      </p:grpSp>
+      <p:grpSp>
+        <p:nvGrpSpPr>
+          <p:cNvPr id="49" name="Group 48"/>
+          <p:cNvGrpSpPr/>
+          <p:nvPr/>
+        </p:nvGrpSpPr>
+        <p:grpSpPr>
+          <a:xfrm>
+            <a:off x="1444977" y="4725144"/>
+            <a:ext cx="713171" cy="720080"/>
+            <a:chOff x="1444977" y="4725144"/>
+            <a:chExt cx="713171" cy="720080"/>
+          </a:xfrm>
+        </p:grpSpPr>
+        <p:sp>
+          <p:nvSpPr>
+            <p:cNvPr id="38" name="Rectangle 37"/>
+            <p:cNvSpPr/>
+            <p:nvPr/>
+          </p:nvSpPr>
+          <p:spPr>
+            <a:xfrm>
+              <a:off x="1444977" y="4725144"/>
+              <a:ext cx="713171" cy="720080"/>
+            </a:xfrm>
+            <a:prstGeom prst="rect">
+              <a:avLst/>
+            </a:prstGeom>
+          </p:spPr>
+          <p:style>
+            <a:lnRef idx="2">
+              <a:schemeClr val="dk1"/>
+            </a:lnRef>
+            <a:fillRef idx="1">
+              <a:schemeClr val="lt1"/>
+            </a:fillRef>
+            <a:effectRef idx="0">
+              <a:schemeClr val="dk1"/>
+            </a:effectRef>
+            <a:fontRef idx="minor">
+              <a:schemeClr val="dk1"/>
+            </a:fontRef>
+          </p:style>
+          <p:txBody>
+            <a:bodyPr rtlCol="0" anchor="ctr"/>
+            <a:lstStyle/>
+            <a:p>
+              <a:pPr algn="ctr"/>
+              <a:endParaRPr lang="pt-BR"/>
+            </a:p>
+          </p:txBody>
+        </p:sp>
+        <p:cxnSp>
+          <p:nvCxnSpPr>
+            <p:cNvPr id="45" name="Straight Connector 44"/>
+            <p:cNvCxnSpPr/>
+            <p:nvPr/>
+          </p:nvCxnSpPr>
+          <p:spPr>
+            <a:xfrm>
+              <a:off x="1618532" y="4725144"/>
+              <a:ext cx="0" cy="720080"/>
+            </a:xfrm>
+            <a:prstGeom prst="line">
+              <a:avLst/>
+            </a:prstGeom>
+            <a:ln w="28575">
+              <a:solidFill>
+                <a:schemeClr val="tx1"/>
+              </a:solidFill>
+            </a:ln>
+          </p:spPr>
+          <p:style>
+            <a:lnRef idx="1">
+              <a:schemeClr val="accent1"/>
+            </a:lnRef>
+            <a:fillRef idx="0">
+              <a:schemeClr val="accent1"/>
+            </a:fillRef>
+            <a:effectRef idx="0">
+              <a:schemeClr val="accent1"/>
+            </a:effectRef>
+            <a:fontRef idx="minor">
+              <a:schemeClr val="tx1"/>
+            </a:fontRef>
+          </p:style>
+        </p:cxnSp>
+        <p:cxnSp>
+          <p:nvCxnSpPr>
+            <p:cNvPr id="48" name="Straight Connector 47"/>
+            <p:cNvCxnSpPr/>
+            <p:nvPr/>
+          </p:nvCxnSpPr>
+          <p:spPr>
+            <a:xfrm>
+              <a:off x="1979712" y="4725144"/>
+              <a:ext cx="0" cy="720080"/>
+            </a:xfrm>
+            <a:prstGeom prst="line">
+              <a:avLst/>
+            </a:prstGeom>
+            <a:ln w="28575">
+              <a:solidFill>
+                <a:schemeClr val="tx1"/>
+              </a:solidFill>
+            </a:ln>
+          </p:spPr>
+          <p:style>
+            <a:lnRef idx="1">
+              <a:schemeClr val="accent1"/>
+            </a:lnRef>
+            <a:fillRef idx="0">
+              <a:schemeClr val="accent1"/>
+            </a:fillRef>
+            <a:effectRef idx="0">
+              <a:schemeClr val="accent1"/>
+            </a:effectRef>
+            <a:fontRef idx="minor">
+              <a:schemeClr val="tx1"/>
+            </a:fontRef>
+          </p:style>
+        </p:cxnSp>
       </p:grpSp>
     </p:spTree>
     <p:extLst>
